--- a/doc/blogging-app.pptx
+++ b/doc/blogging-app.pptx
@@ -260,7 +260,7 @@
           <a:p>
             <a:fld id="{7EE6D636-5B4D-49C9-925B-E772C127327A}" type="datetimeFigureOut">
               <a:rPr lang="de-DE" smtClean="0"/>
-              <a:t>03.05.2020</a:t>
+              <a:t>23.05.2020</a:t>
             </a:fld>
             <a:endParaRPr lang="de-DE"/>
           </a:p>
@@ -458,7 +458,7 @@
           <a:p>
             <a:fld id="{7EE6D636-5B4D-49C9-925B-E772C127327A}" type="datetimeFigureOut">
               <a:rPr lang="de-DE" smtClean="0"/>
-              <a:t>03.05.2020</a:t>
+              <a:t>23.05.2020</a:t>
             </a:fld>
             <a:endParaRPr lang="de-DE"/>
           </a:p>
@@ -666,7 +666,7 @@
           <a:p>
             <a:fld id="{7EE6D636-5B4D-49C9-925B-E772C127327A}" type="datetimeFigureOut">
               <a:rPr lang="de-DE" smtClean="0"/>
-              <a:t>03.05.2020</a:t>
+              <a:t>23.05.2020</a:t>
             </a:fld>
             <a:endParaRPr lang="de-DE"/>
           </a:p>
@@ -864,7 +864,7 @@
           <a:p>
             <a:fld id="{7EE6D636-5B4D-49C9-925B-E772C127327A}" type="datetimeFigureOut">
               <a:rPr lang="de-DE" smtClean="0"/>
-              <a:t>03.05.2020</a:t>
+              <a:t>23.05.2020</a:t>
             </a:fld>
             <a:endParaRPr lang="de-DE"/>
           </a:p>
@@ -1139,7 +1139,7 @@
           <a:p>
             <a:fld id="{7EE6D636-5B4D-49C9-925B-E772C127327A}" type="datetimeFigureOut">
               <a:rPr lang="de-DE" smtClean="0"/>
-              <a:t>03.05.2020</a:t>
+              <a:t>23.05.2020</a:t>
             </a:fld>
             <a:endParaRPr lang="de-DE"/>
           </a:p>
@@ -1404,7 +1404,7 @@
           <a:p>
             <a:fld id="{7EE6D636-5B4D-49C9-925B-E772C127327A}" type="datetimeFigureOut">
               <a:rPr lang="de-DE" smtClean="0"/>
-              <a:t>03.05.2020</a:t>
+              <a:t>23.05.2020</a:t>
             </a:fld>
             <a:endParaRPr lang="de-DE"/>
           </a:p>
@@ -1816,7 +1816,7 @@
           <a:p>
             <a:fld id="{7EE6D636-5B4D-49C9-925B-E772C127327A}" type="datetimeFigureOut">
               <a:rPr lang="de-DE" smtClean="0"/>
-              <a:t>03.05.2020</a:t>
+              <a:t>23.05.2020</a:t>
             </a:fld>
             <a:endParaRPr lang="de-DE"/>
           </a:p>
@@ -1957,7 +1957,7 @@
           <a:p>
             <a:fld id="{7EE6D636-5B4D-49C9-925B-E772C127327A}" type="datetimeFigureOut">
               <a:rPr lang="de-DE" smtClean="0"/>
-              <a:t>03.05.2020</a:t>
+              <a:t>23.05.2020</a:t>
             </a:fld>
             <a:endParaRPr lang="de-DE"/>
           </a:p>
@@ -2070,7 +2070,7 @@
           <a:p>
             <a:fld id="{7EE6D636-5B4D-49C9-925B-E772C127327A}" type="datetimeFigureOut">
               <a:rPr lang="de-DE" smtClean="0"/>
-              <a:t>03.05.2020</a:t>
+              <a:t>23.05.2020</a:t>
             </a:fld>
             <a:endParaRPr lang="de-DE"/>
           </a:p>
@@ -2381,7 +2381,7 @@
           <a:p>
             <a:fld id="{7EE6D636-5B4D-49C9-925B-E772C127327A}" type="datetimeFigureOut">
               <a:rPr lang="de-DE" smtClean="0"/>
-              <a:t>03.05.2020</a:t>
+              <a:t>23.05.2020</a:t>
             </a:fld>
             <a:endParaRPr lang="de-DE"/>
           </a:p>
@@ -2669,7 +2669,7 @@
           <a:p>
             <a:fld id="{7EE6D636-5B4D-49C9-925B-E772C127327A}" type="datetimeFigureOut">
               <a:rPr lang="de-DE" smtClean="0"/>
-              <a:t>03.05.2020</a:t>
+              <a:t>23.05.2020</a:t>
             </a:fld>
             <a:endParaRPr lang="de-DE"/>
           </a:p>
@@ -2910,7 +2910,7 @@
           <a:p>
             <a:fld id="{7EE6D636-5B4D-49C9-925B-E772C127327A}" type="datetimeFigureOut">
               <a:rPr lang="de-DE" smtClean="0"/>
-              <a:t>03.05.2020</a:t>
+              <a:t>23.05.2020</a:t>
             </a:fld>
             <a:endParaRPr lang="de-DE"/>
           </a:p>
@@ -3329,10 +3329,10 @@
       </p:grpSpPr>
       <p:sp>
         <p:nvSpPr>
-          <p:cNvPr id="7" name="Rechteck 6">
-            <a:extLst>
-              <a:ext uri="{FF2B5EF4-FFF2-40B4-BE49-F238E27FC236}">
-                <a16:creationId xmlns:a16="http://schemas.microsoft.com/office/drawing/2014/main" id="{81513FF6-7F70-4BBF-A0BF-60B4032B6C86}"/>
+          <p:cNvPr id="25" name="Freihandform: Form 24">
+            <a:extLst>
+              <a:ext uri="{FF2B5EF4-FFF2-40B4-BE49-F238E27FC236}">
+                <a16:creationId xmlns:a16="http://schemas.microsoft.com/office/drawing/2014/main" id="{BA4B4825-E733-4507-B709-005E889735BB}"/>
               </a:ext>
             </a:extLst>
           </p:cNvPr>
@@ -3341,13 +3341,54 @@
         </p:nvSpPr>
         <p:spPr>
           <a:xfrm>
-            <a:off x="3285829" y="1467276"/>
-            <a:ext cx="5512597" cy="1738343"/>
-          </a:xfrm>
-          <a:prstGeom prst="rect">
+            <a:off x="4706636" y="3006861"/>
+            <a:ext cx="1924166" cy="1430503"/>
+          </a:xfrm>
+          <a:custGeom>
             <a:avLst/>
-          </a:prstGeom>
+            <a:gdLst>
+              <a:gd name="connsiteX0" fmla="*/ 0 w 1924166"/>
+              <a:gd name="connsiteY0" fmla="*/ 1430503 h 1430503"/>
+              <a:gd name="connsiteX1" fmla="*/ 1082694 w 1924166"/>
+              <a:gd name="connsiteY1" fmla="*/ 914400 h 1430503"/>
+              <a:gd name="connsiteX2" fmla="*/ 1924166 w 1924166"/>
+              <a:gd name="connsiteY2" fmla="*/ 0 h 1430503"/>
+            </a:gdLst>
+            <a:ahLst/>
+            <a:cxnLst>
+              <a:cxn ang="0">
+                <a:pos x="connsiteX0" y="connsiteY0"/>
+              </a:cxn>
+              <a:cxn ang="0">
+                <a:pos x="connsiteX1" y="connsiteY1"/>
+              </a:cxn>
+              <a:cxn ang="0">
+                <a:pos x="connsiteX2" y="connsiteY2"/>
+              </a:cxn>
+            </a:cxnLst>
+            <a:rect l="l" t="t" r="r" b="b"/>
+            <a:pathLst>
+              <a:path w="1924166" h="1430503">
+                <a:moveTo>
+                  <a:pt x="0" y="1430503"/>
+                </a:moveTo>
+                <a:cubicBezTo>
+                  <a:pt x="381000" y="1291660"/>
+                  <a:pt x="762000" y="1152817"/>
+                  <a:pt x="1082694" y="914400"/>
+                </a:cubicBezTo>
+                <a:cubicBezTo>
+                  <a:pt x="1403388" y="675983"/>
+                  <a:pt x="1663777" y="337991"/>
+                  <a:pt x="1924166" y="0"/>
+                </a:cubicBezTo>
+              </a:path>
+            </a:pathLst>
+          </a:custGeom>
           <a:noFill/>
+          <a:ln w="19050">
+            <a:tailEnd type="arrow" w="lg" len="lg"/>
+          </a:ln>
         </p:spPr>
         <p:style>
           <a:lnRef idx="2">
@@ -3376,10 +3417,10 @@
       </p:sp>
       <p:sp>
         <p:nvSpPr>
-          <p:cNvPr id="11" name="Rechteck 10">
-            <a:extLst>
-              <a:ext uri="{FF2B5EF4-FFF2-40B4-BE49-F238E27FC236}">
-                <a16:creationId xmlns:a16="http://schemas.microsoft.com/office/drawing/2014/main" id="{02B2F875-B7BC-40AF-972F-7B9C9ABE33C2}"/>
+          <p:cNvPr id="7" name="Rechteck 6">
+            <a:extLst>
+              <a:ext uri="{FF2B5EF4-FFF2-40B4-BE49-F238E27FC236}">
+                <a16:creationId xmlns:a16="http://schemas.microsoft.com/office/drawing/2014/main" id="{81513FF6-7F70-4BBF-A0BF-60B4032B6C86}"/>
               </a:ext>
             </a:extLst>
           </p:cNvPr>
@@ -3388,7 +3429,54 @@
         </p:nvSpPr>
         <p:spPr>
           <a:xfrm>
-            <a:off x="5469445" y="3881226"/>
+            <a:off x="3285829" y="1107530"/>
+            <a:ext cx="5512597" cy="2098089"/>
+          </a:xfrm>
+          <a:prstGeom prst="rect">
+            <a:avLst/>
+          </a:prstGeom>
+          <a:noFill/>
+        </p:spPr>
+        <p:style>
+          <a:lnRef idx="2">
+            <a:schemeClr val="accent1">
+              <a:shade val="50000"/>
+            </a:schemeClr>
+          </a:lnRef>
+          <a:fillRef idx="1">
+            <a:schemeClr val="accent1"/>
+          </a:fillRef>
+          <a:effectRef idx="0">
+            <a:schemeClr val="accent1"/>
+          </a:effectRef>
+          <a:fontRef idx="minor">
+            <a:schemeClr val="lt1"/>
+          </a:fontRef>
+        </p:style>
+        <p:txBody>
+          <a:bodyPr rtlCol="0" anchor="ctr"/>
+          <a:lstStyle/>
+          <a:p>
+            <a:pPr algn="ctr"/>
+            <a:endParaRPr lang="de-DE"/>
+          </a:p>
+        </p:txBody>
+      </p:sp>
+      <p:sp>
+        <p:nvSpPr>
+          <p:cNvPr id="11" name="Rechteck 10">
+            <a:extLst>
+              <a:ext uri="{FF2B5EF4-FFF2-40B4-BE49-F238E27FC236}">
+                <a16:creationId xmlns:a16="http://schemas.microsoft.com/office/drawing/2014/main" id="{02B2F875-B7BC-40AF-972F-7B9C9ABE33C2}"/>
+              </a:ext>
+            </a:extLst>
+          </p:cNvPr>
+          <p:cNvSpPr/>
+          <p:nvPr/>
+        </p:nvSpPr>
+        <p:spPr>
+          <a:xfrm>
+            <a:off x="5502514" y="1957855"/>
             <a:ext cx="2890550" cy="1050131"/>
           </a:xfrm>
           <a:prstGeom prst="rect">
@@ -3474,8 +3562,8 @@
         </p:nvSpPr>
         <p:spPr>
           <a:xfrm>
-            <a:off x="3557579" y="2029203"/>
-            <a:ext cx="1130330" cy="976151"/>
+            <a:off x="3557579" y="1955225"/>
+            <a:ext cx="1149056" cy="1050130"/>
           </a:xfrm>
           <a:prstGeom prst="rect">
             <a:avLst/>
@@ -3562,7 +3650,7 @@
         </p:nvSpPr>
         <p:spPr>
           <a:xfrm rot="10800000" flipH="1">
-            <a:off x="7431414" y="3965779"/>
+            <a:off x="7464483" y="2042408"/>
             <a:ext cx="744114" cy="900113"/>
           </a:xfrm>
           <a:prstGeom prst="foldedCorner">
@@ -3614,7 +3702,7 @@
         </p:nvSpPr>
         <p:spPr>
           <a:xfrm>
-            <a:off x="7431413" y="4301635"/>
+            <a:off x="7464482" y="2378264"/>
             <a:ext cx="744114" cy="307777"/>
           </a:xfrm>
           <a:prstGeom prst="rect">
@@ -3649,7 +3737,7 @@
         </p:nvSpPr>
         <p:spPr>
           <a:xfrm>
-            <a:off x="3397748" y="1548268"/>
+            <a:off x="3397747" y="1106091"/>
             <a:ext cx="2230098" cy="369332"/>
           </a:xfrm>
           <a:prstGeom prst="rect">
@@ -3684,7 +3772,7 @@
         </p:nvSpPr>
         <p:spPr>
           <a:xfrm>
-            <a:off x="5785830" y="4018743"/>
+            <a:off x="5818899" y="2095372"/>
             <a:ext cx="664368" cy="486469"/>
           </a:xfrm>
           <a:prstGeom prst="roundRect">
@@ -3743,7 +3831,7 @@
         </p:nvSpPr>
         <p:spPr>
           <a:xfrm>
-            <a:off x="6568097" y="4018742"/>
+            <a:off x="6601166" y="2095371"/>
             <a:ext cx="664368" cy="486469"/>
           </a:xfrm>
           <a:prstGeom prst="roundRect">
@@ -3837,8 +3925,8 @@
         </p:nvSpPr>
         <p:spPr>
           <a:xfrm>
-            <a:off x="5424404" y="4647753"/>
-            <a:ext cx="1025794" cy="307777"/>
+            <a:off x="5457473" y="2724382"/>
+            <a:ext cx="650178" cy="307777"/>
           </a:xfrm>
           <a:prstGeom prst="rect">
             <a:avLst/>
@@ -3853,7 +3941,7 @@
           <a:p>
             <a:r>
               <a:rPr lang="de-DE" sz="1400" dirty="0"/>
-              <a:t>Content Dir</a:t>
+              <a:t>Assets</a:t>
             </a:r>
           </a:p>
         </p:txBody>
@@ -3963,6 +4051,14 @@
               <a:rPr lang="de-DE" dirty="0"/>
               <a:t>Python</a:t>
             </a:r>
+          </a:p>
+          <a:p>
+            <a:pPr algn="ctr"/>
+            <a:r>
+              <a:rPr lang="de-DE" dirty="0" err="1"/>
+              <a:t>GUnicorn</a:t>
+            </a:r>
+            <a:endParaRPr lang="de-DE" dirty="0"/>
           </a:p>
           <a:p>
             <a:pPr algn="ctr"/>
@@ -4199,7 +4295,7 @@
         </p:nvSpPr>
         <p:spPr>
           <a:xfrm>
-            <a:off x="6795517" y="4484904"/>
+            <a:off x="6828586" y="2561533"/>
             <a:ext cx="750093" cy="298488"/>
           </a:xfrm>
           <a:custGeom>
@@ -4288,7 +4384,7 @@
         </p:nvSpPr>
         <p:spPr>
           <a:xfrm>
-            <a:off x="6259735" y="4492048"/>
+            <a:off x="6292804" y="2568677"/>
             <a:ext cx="1250157" cy="382731"/>
           </a:xfrm>
           <a:custGeom>
@@ -4418,7 +4514,7 @@
         </p:nvSpPr>
         <p:spPr>
           <a:xfrm>
-            <a:off x="6599662" y="5082717"/>
+            <a:off x="6430579" y="4242891"/>
             <a:ext cx="2110381" cy="738664"/>
           </a:xfrm>
           <a:prstGeom prst="rect">
@@ -4544,10 +4640,10 @@
       </p:sp>
       <p:sp>
         <p:nvSpPr>
-          <p:cNvPr id="49" name="Freihandform: Form 48">
-            <a:extLst>
-              <a:ext uri="{FF2B5EF4-FFF2-40B4-BE49-F238E27FC236}">
-                <a16:creationId xmlns:a16="http://schemas.microsoft.com/office/drawing/2014/main" id="{589D76CA-0797-4B67-BA8C-7A33AF847B09}"/>
+          <p:cNvPr id="61" name="Ellipse 60">
+            <a:extLst>
+              <a:ext uri="{FF2B5EF4-FFF2-40B4-BE49-F238E27FC236}">
+                <a16:creationId xmlns:a16="http://schemas.microsoft.com/office/drawing/2014/main" id="{C81BA981-2306-4155-8040-CC9499E6A263}"/>
               </a:ext>
             </a:extLst>
           </p:cNvPr>
@@ -4556,53 +4652,14 @@
         </p:nvSpPr>
         <p:spPr>
           <a:xfrm>
-            <a:off x="4726489" y="3442239"/>
-            <a:ext cx="2135981" cy="1063544"/>
-          </a:xfrm>
-          <a:custGeom>
+            <a:off x="2251894" y="2442380"/>
+            <a:ext cx="335756" cy="335756"/>
+          </a:xfrm>
+          <a:prstGeom prst="ellipse">
             <a:avLst/>
-            <a:gdLst>
-              <a:gd name="connsiteX0" fmla="*/ 0 w 2135981"/>
-              <a:gd name="connsiteY0" fmla="*/ 1063544 h 1063544"/>
-              <a:gd name="connsiteX1" fmla="*/ 1321594 w 2135981"/>
-              <a:gd name="connsiteY1" fmla="*/ 27700 h 1063544"/>
-              <a:gd name="connsiteX2" fmla="*/ 2135981 w 2135981"/>
-              <a:gd name="connsiteY2" fmla="*/ 399175 h 1063544"/>
-            </a:gdLst>
-            <a:ahLst/>
-            <a:cxnLst>
-              <a:cxn ang="0">
-                <a:pos x="connsiteX0" y="connsiteY0"/>
-              </a:cxn>
-              <a:cxn ang="0">
-                <a:pos x="connsiteX1" y="connsiteY1"/>
-              </a:cxn>
-              <a:cxn ang="0">
-                <a:pos x="connsiteX2" y="connsiteY2"/>
-              </a:cxn>
-            </a:cxnLst>
-            <a:rect l="l" t="t" r="r" b="b"/>
-            <a:pathLst>
-              <a:path w="2135981" h="1063544">
-                <a:moveTo>
-                  <a:pt x="0" y="1063544"/>
-                </a:moveTo>
-                <a:cubicBezTo>
-                  <a:pt x="482798" y="600986"/>
-                  <a:pt x="965597" y="138428"/>
-                  <a:pt x="1321594" y="27700"/>
-                </a:cubicBezTo>
-                <a:cubicBezTo>
-                  <a:pt x="1677591" y="-83028"/>
-                  <a:pt x="1906786" y="158073"/>
-                  <a:pt x="2135981" y="399175"/>
-                </a:cubicBezTo>
-              </a:path>
-            </a:pathLst>
-          </a:custGeom>
-          <a:noFill/>
-          <a:ln w="19050">
-            <a:tailEnd type="arrow" w="lg" len="lg"/>
+          </a:prstGeom>
+          <a:ln>
+            <a:noFill/>
           </a:ln>
         </p:spPr>
         <p:style>
@@ -4632,10 +4689,49 @@
       </p:sp>
       <p:sp>
         <p:nvSpPr>
-          <p:cNvPr id="61" name="Ellipse 60">
-            <a:extLst>
-              <a:ext uri="{FF2B5EF4-FFF2-40B4-BE49-F238E27FC236}">
-                <a16:creationId xmlns:a16="http://schemas.microsoft.com/office/drawing/2014/main" id="{C81BA981-2306-4155-8040-CC9499E6A263}"/>
+          <p:cNvPr id="62" name="Textfeld 61">
+            <a:extLst>
+              <a:ext uri="{FF2B5EF4-FFF2-40B4-BE49-F238E27FC236}">
+                <a16:creationId xmlns:a16="http://schemas.microsoft.com/office/drawing/2014/main" id="{66E615AC-2500-48AA-A33E-3FF07EE9099C}"/>
+              </a:ext>
+            </a:extLst>
+          </p:cNvPr>
+          <p:cNvSpPr txBox="1"/>
+          <p:nvPr/>
+        </p:nvSpPr>
+        <p:spPr>
+          <a:xfrm>
+            <a:off x="2257874" y="2425592"/>
+            <a:ext cx="301686" cy="369332"/>
+          </a:xfrm>
+          <a:prstGeom prst="rect">
+            <a:avLst/>
+          </a:prstGeom>
+          <a:noFill/>
+        </p:spPr>
+        <p:txBody>
+          <a:bodyPr wrap="none" rtlCol="0">
+            <a:spAutoFit/>
+          </a:bodyPr>
+          <a:lstStyle/>
+          <a:p>
+            <a:r>
+              <a:rPr lang="de-DE" b="1" dirty="0">
+                <a:solidFill>
+                  <a:schemeClr val="bg1"/>
+                </a:solidFill>
+              </a:rPr>
+              <a:t>1</a:t>
+            </a:r>
+          </a:p>
+        </p:txBody>
+      </p:sp>
+      <p:sp>
+        <p:nvSpPr>
+          <p:cNvPr id="63" name="Ellipse 62">
+            <a:extLst>
+              <a:ext uri="{FF2B5EF4-FFF2-40B4-BE49-F238E27FC236}">
+                <a16:creationId xmlns:a16="http://schemas.microsoft.com/office/drawing/2014/main" id="{CAE9B8EF-10BE-4F18-B77F-736BB040EB60}"/>
               </a:ext>
             </a:extLst>
           </p:cNvPr>
@@ -4644,7 +4740,7 @@
         </p:nvSpPr>
         <p:spPr>
           <a:xfrm>
-            <a:off x="2251894" y="2442380"/>
+            <a:off x="4936547" y="2676073"/>
             <a:ext cx="335756" cy="335756"/>
           </a:xfrm>
           <a:prstGeom prst="ellipse">
@@ -4681,10 +4777,10 @@
       </p:sp>
       <p:sp>
         <p:nvSpPr>
-          <p:cNvPr id="62" name="Textfeld 61">
-            <a:extLst>
-              <a:ext uri="{FF2B5EF4-FFF2-40B4-BE49-F238E27FC236}">
-                <a16:creationId xmlns:a16="http://schemas.microsoft.com/office/drawing/2014/main" id="{66E615AC-2500-48AA-A33E-3FF07EE9099C}"/>
+          <p:cNvPr id="64" name="Textfeld 63">
+            <a:extLst>
+              <a:ext uri="{FF2B5EF4-FFF2-40B4-BE49-F238E27FC236}">
+                <a16:creationId xmlns:a16="http://schemas.microsoft.com/office/drawing/2014/main" id="{D987692B-6452-4A6C-918F-F49E51718F0F}"/>
               </a:ext>
             </a:extLst>
           </p:cNvPr>
@@ -4693,7 +4789,7 @@
         </p:nvSpPr>
         <p:spPr>
           <a:xfrm>
-            <a:off x="2257874" y="2425592"/>
+            <a:off x="4942527" y="2659285"/>
             <a:ext cx="301686" cy="369332"/>
           </a:xfrm>
           <a:prstGeom prst="rect">
@@ -4713,17 +4809,17 @@
                   <a:schemeClr val="bg1"/>
                 </a:solidFill>
               </a:rPr>
-              <a:t>1</a:t>
-            </a:r>
-          </a:p>
-        </p:txBody>
-      </p:sp>
-      <p:sp>
-        <p:nvSpPr>
-          <p:cNvPr id="63" name="Ellipse 62">
-            <a:extLst>
-              <a:ext uri="{FF2B5EF4-FFF2-40B4-BE49-F238E27FC236}">
-                <a16:creationId xmlns:a16="http://schemas.microsoft.com/office/drawing/2014/main" id="{CAE9B8EF-10BE-4F18-B77F-736BB040EB60}"/>
+              <a:t>2</a:t>
+            </a:r>
+          </a:p>
+        </p:txBody>
+      </p:sp>
+      <p:sp>
+        <p:nvSpPr>
+          <p:cNvPr id="65" name="Ellipse 64">
+            <a:extLst>
+              <a:ext uri="{FF2B5EF4-FFF2-40B4-BE49-F238E27FC236}">
+                <a16:creationId xmlns:a16="http://schemas.microsoft.com/office/drawing/2014/main" id="{3580F0F8-8D3D-49BC-B787-6248D1C74A2F}"/>
               </a:ext>
             </a:extLst>
           </p:cNvPr>
@@ -4732,7 +4828,7 @@
         </p:nvSpPr>
         <p:spPr>
           <a:xfrm>
-            <a:off x="4936547" y="2676073"/>
+            <a:off x="5764501" y="3647087"/>
             <a:ext cx="335756" cy="335756"/>
           </a:xfrm>
           <a:prstGeom prst="ellipse">
@@ -4769,10 +4865,10 @@
       </p:sp>
       <p:sp>
         <p:nvSpPr>
-          <p:cNvPr id="64" name="Textfeld 63">
-            <a:extLst>
-              <a:ext uri="{FF2B5EF4-FFF2-40B4-BE49-F238E27FC236}">
-                <a16:creationId xmlns:a16="http://schemas.microsoft.com/office/drawing/2014/main" id="{D987692B-6452-4A6C-918F-F49E51718F0F}"/>
+          <p:cNvPr id="66" name="Textfeld 65">
+            <a:extLst>
+              <a:ext uri="{FF2B5EF4-FFF2-40B4-BE49-F238E27FC236}">
+                <a16:creationId xmlns:a16="http://schemas.microsoft.com/office/drawing/2014/main" id="{3FFEE5B2-7F77-449F-B87E-BE46204F46C8}"/>
               </a:ext>
             </a:extLst>
           </p:cNvPr>
@@ -4781,95 +4877,7 @@
         </p:nvSpPr>
         <p:spPr>
           <a:xfrm>
-            <a:off x="4942527" y="2659285"/>
-            <a:ext cx="301686" cy="369332"/>
-          </a:xfrm>
-          <a:prstGeom prst="rect">
-            <a:avLst/>
-          </a:prstGeom>
-          <a:noFill/>
-        </p:spPr>
-        <p:txBody>
-          <a:bodyPr wrap="none" rtlCol="0">
-            <a:spAutoFit/>
-          </a:bodyPr>
-          <a:lstStyle/>
-          <a:p>
-            <a:r>
-              <a:rPr lang="de-DE" b="1" dirty="0">
-                <a:solidFill>
-                  <a:schemeClr val="bg1"/>
-                </a:solidFill>
-              </a:rPr>
-              <a:t>2</a:t>
-            </a:r>
-          </a:p>
-        </p:txBody>
-      </p:sp>
-      <p:sp>
-        <p:nvSpPr>
-          <p:cNvPr id="65" name="Ellipse 64">
-            <a:extLst>
-              <a:ext uri="{FF2B5EF4-FFF2-40B4-BE49-F238E27FC236}">
-                <a16:creationId xmlns:a16="http://schemas.microsoft.com/office/drawing/2014/main" id="{3580F0F8-8D3D-49BC-B787-6248D1C74A2F}"/>
-              </a:ext>
-            </a:extLst>
-          </p:cNvPr>
-          <p:cNvSpPr/>
-          <p:nvPr/>
-        </p:nvSpPr>
-        <p:spPr>
-          <a:xfrm>
-            <a:off x="6357051" y="3417034"/>
-            <a:ext cx="335756" cy="335756"/>
-          </a:xfrm>
-          <a:prstGeom prst="ellipse">
-            <a:avLst/>
-          </a:prstGeom>
-          <a:ln>
-            <a:noFill/>
-          </a:ln>
-        </p:spPr>
-        <p:style>
-          <a:lnRef idx="2">
-            <a:schemeClr val="accent1">
-              <a:shade val="50000"/>
-            </a:schemeClr>
-          </a:lnRef>
-          <a:fillRef idx="1">
-            <a:schemeClr val="accent1"/>
-          </a:fillRef>
-          <a:effectRef idx="0">
-            <a:schemeClr val="accent1"/>
-          </a:effectRef>
-          <a:fontRef idx="minor">
-            <a:schemeClr val="lt1"/>
-          </a:fontRef>
-        </p:style>
-        <p:txBody>
-          <a:bodyPr rtlCol="0" anchor="ctr"/>
-          <a:lstStyle/>
-          <a:p>
-            <a:pPr algn="ctr"/>
-            <a:endParaRPr lang="de-DE"/>
-          </a:p>
-        </p:txBody>
-      </p:sp>
-      <p:sp>
-        <p:nvSpPr>
-          <p:cNvPr id="66" name="Textfeld 65">
-            <a:extLst>
-              <a:ext uri="{FF2B5EF4-FFF2-40B4-BE49-F238E27FC236}">
-                <a16:creationId xmlns:a16="http://schemas.microsoft.com/office/drawing/2014/main" id="{3FFEE5B2-7F77-449F-B87E-BE46204F46C8}"/>
-              </a:ext>
-            </a:extLst>
-          </p:cNvPr>
-          <p:cNvSpPr txBox="1"/>
-          <p:nvPr/>
-        </p:nvSpPr>
-        <p:spPr>
-          <a:xfrm>
-            <a:off x="6383713" y="3386178"/>
+            <a:off x="5791163" y="3616231"/>
             <a:ext cx="301686" cy="369332"/>
           </a:xfrm>
           <a:prstGeom prst="rect">
@@ -4894,291 +4902,6 @@
           </a:p>
         </p:txBody>
       </p:sp>
-      <p:sp>
-        <p:nvSpPr>
-          <p:cNvPr id="17" name="Freihandform: Form 16">
-            <a:extLst>
-              <a:ext uri="{FF2B5EF4-FFF2-40B4-BE49-F238E27FC236}">
-                <a16:creationId xmlns:a16="http://schemas.microsoft.com/office/drawing/2014/main" id="{9882E1EF-4FA7-4449-B14D-17086BB880CC}"/>
-              </a:ext>
-            </a:extLst>
-          </p:cNvPr>
-          <p:cNvSpPr/>
-          <p:nvPr/>
-        </p:nvSpPr>
-        <p:spPr>
-          <a:xfrm>
-            <a:off x="1735931" y="3407569"/>
-            <a:ext cx="4321969" cy="2359617"/>
-          </a:xfrm>
-          <a:custGeom>
-            <a:avLst/>
-            <a:gdLst>
-              <a:gd name="connsiteX0" fmla="*/ 0 w 4321969"/>
-              <a:gd name="connsiteY0" fmla="*/ 0 h 2359617"/>
-              <a:gd name="connsiteX1" fmla="*/ 550069 w 4321969"/>
-              <a:gd name="connsiteY1" fmla="*/ 1693069 h 2359617"/>
-              <a:gd name="connsiteX2" fmla="*/ 2443163 w 4321969"/>
-              <a:gd name="connsiteY2" fmla="*/ 2357437 h 2359617"/>
-              <a:gd name="connsiteX3" fmla="*/ 4321969 w 4321969"/>
-              <a:gd name="connsiteY3" fmla="*/ 1507331 h 2359617"/>
-            </a:gdLst>
-            <a:ahLst/>
-            <a:cxnLst>
-              <a:cxn ang="0">
-                <a:pos x="connsiteX0" y="connsiteY0"/>
-              </a:cxn>
-              <a:cxn ang="0">
-                <a:pos x="connsiteX1" y="connsiteY1"/>
-              </a:cxn>
-              <a:cxn ang="0">
-                <a:pos x="connsiteX2" y="connsiteY2"/>
-              </a:cxn>
-              <a:cxn ang="0">
-                <a:pos x="connsiteX3" y="connsiteY3"/>
-              </a:cxn>
-            </a:cxnLst>
-            <a:rect l="l" t="t" r="r" b="b"/>
-            <a:pathLst>
-              <a:path w="4321969" h="2359617">
-                <a:moveTo>
-                  <a:pt x="0" y="0"/>
-                </a:moveTo>
-                <a:cubicBezTo>
-                  <a:pt x="71437" y="650081"/>
-                  <a:pt x="142875" y="1300163"/>
-                  <a:pt x="550069" y="1693069"/>
-                </a:cubicBezTo>
-                <a:cubicBezTo>
-                  <a:pt x="957263" y="2085975"/>
-                  <a:pt x="1814513" y="2388393"/>
-                  <a:pt x="2443163" y="2357437"/>
-                </a:cubicBezTo>
-                <a:cubicBezTo>
-                  <a:pt x="3071813" y="2326481"/>
-                  <a:pt x="3696891" y="1916906"/>
-                  <a:pt x="4321969" y="1507331"/>
-                </a:cubicBezTo>
-              </a:path>
-            </a:pathLst>
-          </a:custGeom>
-          <a:noFill/>
-          <a:ln w="19050">
-            <a:prstDash val="dash"/>
-            <a:tailEnd type="arrow" w="lg" len="lg"/>
-          </a:ln>
-        </p:spPr>
-        <p:style>
-          <a:lnRef idx="2">
-            <a:schemeClr val="accent1">
-              <a:shade val="50000"/>
-            </a:schemeClr>
-          </a:lnRef>
-          <a:fillRef idx="1">
-            <a:schemeClr val="accent1"/>
-          </a:fillRef>
-          <a:effectRef idx="0">
-            <a:schemeClr val="accent1"/>
-          </a:effectRef>
-          <a:fontRef idx="minor">
-            <a:schemeClr val="lt1"/>
-          </a:fontRef>
-        </p:style>
-        <p:txBody>
-          <a:bodyPr rtlCol="0" anchor="ctr"/>
-          <a:lstStyle/>
-          <a:p>
-            <a:pPr algn="ctr"/>
-            <a:endParaRPr lang="de-DE"/>
-          </a:p>
-        </p:txBody>
-      </p:sp>
-      <p:sp>
-        <p:nvSpPr>
-          <p:cNvPr id="59" name="Ellipse 58">
-            <a:extLst>
-              <a:ext uri="{FF2B5EF4-FFF2-40B4-BE49-F238E27FC236}">
-                <a16:creationId xmlns:a16="http://schemas.microsoft.com/office/drawing/2014/main" id="{A733869A-88E1-4E52-8C24-1FEB0CB3FC95}"/>
-              </a:ext>
-            </a:extLst>
-          </p:cNvPr>
-          <p:cNvSpPr/>
-          <p:nvPr/>
-        </p:nvSpPr>
-        <p:spPr>
-          <a:xfrm>
-            <a:off x="2124635" y="4948145"/>
-            <a:ext cx="335756" cy="335756"/>
-          </a:xfrm>
-          <a:prstGeom prst="ellipse">
-            <a:avLst/>
-          </a:prstGeom>
-          <a:ln>
-            <a:noFill/>
-          </a:ln>
-        </p:spPr>
-        <p:style>
-          <a:lnRef idx="2">
-            <a:schemeClr val="accent1">
-              <a:shade val="50000"/>
-            </a:schemeClr>
-          </a:lnRef>
-          <a:fillRef idx="1">
-            <a:schemeClr val="accent1"/>
-          </a:fillRef>
-          <a:effectRef idx="0">
-            <a:schemeClr val="accent1"/>
-          </a:effectRef>
-          <a:fontRef idx="minor">
-            <a:schemeClr val="lt1"/>
-          </a:fontRef>
-        </p:style>
-        <p:txBody>
-          <a:bodyPr rtlCol="0" anchor="ctr"/>
-          <a:lstStyle/>
-          <a:p>
-            <a:pPr algn="ctr"/>
-            <a:endParaRPr lang="de-DE"/>
-          </a:p>
-        </p:txBody>
-      </p:sp>
-      <p:sp>
-        <p:nvSpPr>
-          <p:cNvPr id="60" name="Textfeld 59">
-            <a:extLst>
-              <a:ext uri="{FF2B5EF4-FFF2-40B4-BE49-F238E27FC236}">
-                <a16:creationId xmlns:a16="http://schemas.microsoft.com/office/drawing/2014/main" id="{30CF0979-3FAC-4AB6-9EBF-090B94FD960A}"/>
-              </a:ext>
-            </a:extLst>
-          </p:cNvPr>
-          <p:cNvSpPr txBox="1"/>
-          <p:nvPr/>
-        </p:nvSpPr>
-        <p:spPr>
-          <a:xfrm>
-            <a:off x="2130615" y="4931357"/>
-            <a:ext cx="301686" cy="369332"/>
-          </a:xfrm>
-          <a:prstGeom prst="rect">
-            <a:avLst/>
-          </a:prstGeom>
-          <a:noFill/>
-        </p:spPr>
-        <p:txBody>
-          <a:bodyPr wrap="none" rtlCol="0">
-            <a:spAutoFit/>
-          </a:bodyPr>
-          <a:lstStyle/>
-          <a:p>
-            <a:r>
-              <a:rPr lang="de-DE" b="1" dirty="0">
-                <a:solidFill>
-                  <a:schemeClr val="bg1"/>
-                </a:solidFill>
-              </a:rPr>
-              <a:t>4</a:t>
-            </a:r>
-          </a:p>
-        </p:txBody>
-      </p:sp>
-      <p:sp>
-        <p:nvSpPr>
-          <p:cNvPr id="70" name="Textfeld 69">
-            <a:extLst>
-              <a:ext uri="{FF2B5EF4-FFF2-40B4-BE49-F238E27FC236}">
-                <a16:creationId xmlns:a16="http://schemas.microsoft.com/office/drawing/2014/main" id="{869AB74C-50EC-4B8A-A45B-9580F1E571BF}"/>
-              </a:ext>
-            </a:extLst>
-          </p:cNvPr>
-          <p:cNvSpPr txBox="1"/>
-          <p:nvPr/>
-        </p:nvSpPr>
-        <p:spPr>
-          <a:xfrm>
-            <a:off x="3722792" y="5218375"/>
-            <a:ext cx="1381633" cy="523220"/>
-          </a:xfrm>
-          <a:prstGeom prst="rect">
-            <a:avLst/>
-          </a:prstGeom>
-          <a:noFill/>
-        </p:spPr>
-        <p:txBody>
-          <a:bodyPr wrap="square" rtlCol="0">
-            <a:spAutoFit/>
-          </a:bodyPr>
-          <a:lstStyle/>
-          <a:p>
-            <a:r>
-              <a:rPr lang="de-DE" sz="1400" dirty="0">
-                <a:solidFill>
-                  <a:schemeClr val="accent1">
-                    <a:lumMod val="50000"/>
-                  </a:schemeClr>
-                </a:solidFill>
-              </a:rPr>
-              <a:t>Link </a:t>
-            </a:r>
-            <a:r>
-              <a:rPr lang="de-DE" sz="1400" dirty="0" err="1">
-                <a:solidFill>
-                  <a:schemeClr val="accent1">
-                    <a:lumMod val="50000"/>
-                  </a:schemeClr>
-                </a:solidFill>
-              </a:rPr>
-              <a:t>to</a:t>
-            </a:r>
-            <a:r>
-              <a:rPr lang="de-DE" sz="1400" dirty="0">
-                <a:solidFill>
-                  <a:schemeClr val="accent1">
-                    <a:lumMod val="50000"/>
-                  </a:schemeClr>
-                </a:solidFill>
-              </a:rPr>
-              <a:t> </a:t>
-            </a:r>
-            <a:r>
-              <a:rPr lang="de-DE" sz="1400" dirty="0" err="1">
-                <a:solidFill>
-                  <a:schemeClr val="accent1">
-                    <a:lumMod val="50000"/>
-                  </a:schemeClr>
-                </a:solidFill>
-              </a:rPr>
-              <a:t>static</a:t>
-            </a:r>
-            <a:r>
-              <a:rPr lang="de-DE" sz="1400" dirty="0">
-                <a:solidFill>
-                  <a:schemeClr val="accent1">
-                    <a:lumMod val="50000"/>
-                  </a:schemeClr>
-                </a:solidFill>
-              </a:rPr>
-              <a:t> </a:t>
-            </a:r>
-            <a:r>
-              <a:rPr lang="de-DE" sz="1400" dirty="0" err="1">
-                <a:solidFill>
-                  <a:schemeClr val="accent1">
-                    <a:lumMod val="50000"/>
-                  </a:schemeClr>
-                </a:solidFill>
-              </a:rPr>
-              <a:t>content</a:t>
-            </a:r>
-            <a:endParaRPr lang="de-DE" sz="1400" dirty="0">
-              <a:solidFill>
-                <a:schemeClr val="accent1">
-                  <a:lumMod val="50000"/>
-                </a:schemeClr>
-              </a:solidFill>
-            </a:endParaRPr>
-          </a:p>
-        </p:txBody>
-      </p:sp>
       <p:cxnSp>
         <p:nvCxnSpPr>
           <p:cNvPr id="24" name="Gerade Verbindung mit Pfeil 23">
@@ -5188,17 +4911,21 @@
               </a:ext>
             </a:extLst>
           </p:cNvPr>
-          <p:cNvCxnSpPr/>
+          <p:cNvCxnSpPr>
+            <a:cxnSpLocks/>
+            <a:stCxn id="4" idx="0"/>
+            <a:endCxn id="11" idx="0"/>
+          </p:cNvCxnSpPr>
           <p:nvPr/>
         </p:nvCxnSpPr>
         <p:spPr>
-          <a:xfrm>
-            <a:off x="4687908" y="2250281"/>
-            <a:ext cx="2544557" cy="1630945"/>
+          <a:xfrm rot="16200000" flipH="1">
+            <a:off x="5538633" y="548699"/>
+            <a:ext cx="2630" cy="2815682"/>
           </a:xfrm>
           <a:prstGeom prst="bentConnector3">
             <a:avLst>
-              <a:gd name="adj1" fmla="val 99973"/>
+              <a:gd name="adj1" fmla="val -8692015"/>
             </a:avLst>
           </a:prstGeom>
           <a:ln w="19050">
@@ -5235,7 +4962,7 @@
         </p:nvSpPr>
         <p:spPr>
           <a:xfrm>
-            <a:off x="6020186" y="1908889"/>
+            <a:off x="5739763" y="1331164"/>
             <a:ext cx="1381633" cy="307777"/>
           </a:xfrm>
           <a:prstGeom prst="rect">

--- a/doc/blogging-app.pptx
+++ b/doc/blogging-app.pptx
@@ -6,7 +6,8 @@
   </p:sldMasterIdLst>
   <p:sldIdLst>
     <p:sldId id="256" r:id="rId2"/>
-    <p:sldId id="257" r:id="rId3"/>
+    <p:sldId id="258" r:id="rId3"/>
+    <p:sldId id="257" r:id="rId4"/>
   </p:sldIdLst>
   <p:sldSz cx="12192000" cy="6858000"/>
   <p:notesSz cx="6858000" cy="9144000"/>
@@ -260,7 +261,7 @@
           <a:p>
             <a:fld id="{7EE6D636-5B4D-49C9-925B-E772C127327A}" type="datetimeFigureOut">
               <a:rPr lang="de-DE" smtClean="0"/>
-              <a:t>23.05.2020</a:t>
+              <a:t>24.05.2020</a:t>
             </a:fld>
             <a:endParaRPr lang="de-DE"/>
           </a:p>
@@ -458,7 +459,7 @@
           <a:p>
             <a:fld id="{7EE6D636-5B4D-49C9-925B-E772C127327A}" type="datetimeFigureOut">
               <a:rPr lang="de-DE" smtClean="0"/>
-              <a:t>23.05.2020</a:t>
+              <a:t>24.05.2020</a:t>
             </a:fld>
             <a:endParaRPr lang="de-DE"/>
           </a:p>
@@ -666,7 +667,7 @@
           <a:p>
             <a:fld id="{7EE6D636-5B4D-49C9-925B-E772C127327A}" type="datetimeFigureOut">
               <a:rPr lang="de-DE" smtClean="0"/>
-              <a:t>23.05.2020</a:t>
+              <a:t>24.05.2020</a:t>
             </a:fld>
             <a:endParaRPr lang="de-DE"/>
           </a:p>
@@ -864,7 +865,7 @@
           <a:p>
             <a:fld id="{7EE6D636-5B4D-49C9-925B-E772C127327A}" type="datetimeFigureOut">
               <a:rPr lang="de-DE" smtClean="0"/>
-              <a:t>23.05.2020</a:t>
+              <a:t>24.05.2020</a:t>
             </a:fld>
             <a:endParaRPr lang="de-DE"/>
           </a:p>
@@ -1139,7 +1140,7 @@
           <a:p>
             <a:fld id="{7EE6D636-5B4D-49C9-925B-E772C127327A}" type="datetimeFigureOut">
               <a:rPr lang="de-DE" smtClean="0"/>
-              <a:t>23.05.2020</a:t>
+              <a:t>24.05.2020</a:t>
             </a:fld>
             <a:endParaRPr lang="de-DE"/>
           </a:p>
@@ -1404,7 +1405,7 @@
           <a:p>
             <a:fld id="{7EE6D636-5B4D-49C9-925B-E772C127327A}" type="datetimeFigureOut">
               <a:rPr lang="de-DE" smtClean="0"/>
-              <a:t>23.05.2020</a:t>
+              <a:t>24.05.2020</a:t>
             </a:fld>
             <a:endParaRPr lang="de-DE"/>
           </a:p>
@@ -1816,7 +1817,7 @@
           <a:p>
             <a:fld id="{7EE6D636-5B4D-49C9-925B-E772C127327A}" type="datetimeFigureOut">
               <a:rPr lang="de-DE" smtClean="0"/>
-              <a:t>23.05.2020</a:t>
+              <a:t>24.05.2020</a:t>
             </a:fld>
             <a:endParaRPr lang="de-DE"/>
           </a:p>
@@ -1957,7 +1958,7 @@
           <a:p>
             <a:fld id="{7EE6D636-5B4D-49C9-925B-E772C127327A}" type="datetimeFigureOut">
               <a:rPr lang="de-DE" smtClean="0"/>
-              <a:t>23.05.2020</a:t>
+              <a:t>24.05.2020</a:t>
             </a:fld>
             <a:endParaRPr lang="de-DE"/>
           </a:p>
@@ -2070,7 +2071,7 @@
           <a:p>
             <a:fld id="{7EE6D636-5B4D-49C9-925B-E772C127327A}" type="datetimeFigureOut">
               <a:rPr lang="de-DE" smtClean="0"/>
-              <a:t>23.05.2020</a:t>
+              <a:t>24.05.2020</a:t>
             </a:fld>
             <a:endParaRPr lang="de-DE"/>
           </a:p>
@@ -2381,7 +2382,7 @@
           <a:p>
             <a:fld id="{7EE6D636-5B4D-49C9-925B-E772C127327A}" type="datetimeFigureOut">
               <a:rPr lang="de-DE" smtClean="0"/>
-              <a:t>23.05.2020</a:t>
+              <a:t>24.05.2020</a:t>
             </a:fld>
             <a:endParaRPr lang="de-DE"/>
           </a:p>
@@ -2669,7 +2670,7 @@
           <a:p>
             <a:fld id="{7EE6D636-5B4D-49C9-925B-E772C127327A}" type="datetimeFigureOut">
               <a:rPr lang="de-DE" smtClean="0"/>
-              <a:t>23.05.2020</a:t>
+              <a:t>24.05.2020</a:t>
             </a:fld>
             <a:endParaRPr lang="de-DE"/>
           </a:p>
@@ -2910,7 +2911,7 @@
           <a:p>
             <a:fld id="{7EE6D636-5B4D-49C9-925B-E772C127327A}" type="datetimeFigureOut">
               <a:rPr lang="de-DE" smtClean="0"/>
-              <a:t>23.05.2020</a:t>
+              <a:t>24.05.2020</a:t>
             </a:fld>
             <a:endParaRPr lang="de-DE"/>
           </a:p>
@@ -5146,6 +5147,1969 @@
       </p:grpSpPr>
       <p:sp>
         <p:nvSpPr>
+          <p:cNvPr id="2" name="Titel 1">
+            <a:extLst>
+              <a:ext uri="{FF2B5EF4-FFF2-40B4-BE49-F238E27FC236}">
+                <a16:creationId xmlns:a16="http://schemas.microsoft.com/office/drawing/2014/main" id="{64090AE2-39F2-4D2A-8C14-70069F2C4DC3}"/>
+              </a:ext>
+            </a:extLst>
+          </p:cNvPr>
+          <p:cNvSpPr>
+            <a:spLocks noGrp="1"/>
+          </p:cNvSpPr>
+          <p:nvPr>
+            <p:ph type="ctrTitle"/>
+          </p:nvPr>
+        </p:nvSpPr>
+        <p:spPr>
+          <a:xfrm>
+            <a:off x="1411804" y="163085"/>
+            <a:ext cx="9144000" cy="477837"/>
+          </a:xfrm>
+        </p:spPr>
+        <p:txBody>
+          <a:bodyPr>
+            <a:noAutofit/>
+          </a:bodyPr>
+          <a:lstStyle/>
+          <a:p>
+            <a:r>
+              <a:rPr lang="de-DE" sz="3600" dirty="0"/>
+              <a:t>Blogging App - </a:t>
+            </a:r>
+            <a:r>
+              <a:rPr lang="de-DE" sz="3600" dirty="0" err="1"/>
+              <a:t>Deployment</a:t>
+            </a:r>
+            <a:endParaRPr lang="de-DE" sz="3600" dirty="0"/>
+          </a:p>
+        </p:txBody>
+      </p:sp>
+      <p:grpSp>
+        <p:nvGrpSpPr>
+          <p:cNvPr id="88" name="Gruppieren 87">
+            <a:extLst>
+              <a:ext uri="{FF2B5EF4-FFF2-40B4-BE49-F238E27FC236}">
+                <a16:creationId xmlns:a16="http://schemas.microsoft.com/office/drawing/2014/main" id="{581A2BE7-2B5D-47C8-B843-7F5F123C927D}"/>
+              </a:ext>
+            </a:extLst>
+          </p:cNvPr>
+          <p:cNvGrpSpPr/>
+          <p:nvPr/>
+        </p:nvGrpSpPr>
+        <p:grpSpPr>
+          <a:xfrm>
+            <a:off x="951021" y="965345"/>
+            <a:ext cx="9145087" cy="4433857"/>
+            <a:chOff x="951021" y="965345"/>
+            <a:chExt cx="9145087" cy="4433857"/>
+          </a:xfrm>
+        </p:grpSpPr>
+        <p:sp>
+          <p:nvSpPr>
+            <p:cNvPr id="35" name="Rechteck 34">
+              <a:extLst>
+                <a:ext uri="{FF2B5EF4-FFF2-40B4-BE49-F238E27FC236}">
+                  <a16:creationId xmlns:a16="http://schemas.microsoft.com/office/drawing/2014/main" id="{14654166-9BB9-44C5-B34A-D99825603EF0}"/>
+                </a:ext>
+              </a:extLst>
+            </p:cNvPr>
+            <p:cNvSpPr/>
+            <p:nvPr/>
+          </p:nvSpPr>
+          <p:spPr>
+            <a:xfrm>
+              <a:off x="2620652" y="1458798"/>
+              <a:ext cx="7475456" cy="3940404"/>
+            </a:xfrm>
+            <a:prstGeom prst="rect">
+              <a:avLst/>
+            </a:prstGeom>
+            <a:noFill/>
+          </p:spPr>
+          <p:style>
+            <a:lnRef idx="2">
+              <a:schemeClr val="accent1">
+                <a:shade val="50000"/>
+              </a:schemeClr>
+            </a:lnRef>
+            <a:fillRef idx="1">
+              <a:schemeClr val="accent1"/>
+            </a:fillRef>
+            <a:effectRef idx="0">
+              <a:schemeClr val="accent1"/>
+            </a:effectRef>
+            <a:fontRef idx="minor">
+              <a:schemeClr val="lt1"/>
+            </a:fontRef>
+          </p:style>
+          <p:txBody>
+            <a:bodyPr rtlCol="0" anchor="ctr"/>
+            <a:lstStyle/>
+            <a:p>
+              <a:pPr algn="ctr"/>
+              <a:endParaRPr lang="de-DE" sz="1100"/>
+            </a:p>
+          </p:txBody>
+        </p:sp>
+        <p:sp>
+          <p:nvSpPr>
+            <p:cNvPr id="37" name="Textfeld 36">
+              <a:extLst>
+                <a:ext uri="{FF2B5EF4-FFF2-40B4-BE49-F238E27FC236}">
+                  <a16:creationId xmlns:a16="http://schemas.microsoft.com/office/drawing/2014/main" id="{99E53CCA-427B-47C5-8F4F-91FEC883015A}"/>
+                </a:ext>
+              </a:extLst>
+            </p:cNvPr>
+            <p:cNvSpPr txBox="1"/>
+            <p:nvPr/>
+          </p:nvSpPr>
+          <p:spPr>
+            <a:xfrm>
+              <a:off x="9243557" y="5054160"/>
+              <a:ext cx="822597" cy="307777"/>
+            </a:xfrm>
+            <a:prstGeom prst="rect">
+              <a:avLst/>
+            </a:prstGeom>
+            <a:noFill/>
+          </p:spPr>
+          <p:txBody>
+            <a:bodyPr wrap="none" rtlCol="0">
+              <a:spAutoFit/>
+            </a:bodyPr>
+            <a:lstStyle/>
+            <a:p>
+              <a:r>
+                <a:rPr lang="de-DE" sz="1400" b="1" dirty="0"/>
+                <a:t>V-Server</a:t>
+              </a:r>
+            </a:p>
+          </p:txBody>
+        </p:sp>
+        <p:sp>
+          <p:nvSpPr>
+            <p:cNvPr id="5" name="Rechteck 4">
+              <a:extLst>
+                <a:ext uri="{FF2B5EF4-FFF2-40B4-BE49-F238E27FC236}">
+                  <a16:creationId xmlns:a16="http://schemas.microsoft.com/office/drawing/2014/main" id="{9297C557-31D8-43C6-A673-857980B3F035}"/>
+                </a:ext>
+              </a:extLst>
+            </p:cNvPr>
+            <p:cNvSpPr/>
+            <p:nvPr/>
+          </p:nvSpPr>
+          <p:spPr>
+            <a:xfrm>
+              <a:off x="3016577" y="1571334"/>
+              <a:ext cx="3242821" cy="3526209"/>
+            </a:xfrm>
+            <a:prstGeom prst="rect">
+              <a:avLst/>
+            </a:prstGeom>
+            <a:solidFill>
+              <a:schemeClr val="accent1">
+                <a:lumMod val="20000"/>
+                <a:lumOff val="80000"/>
+              </a:schemeClr>
+            </a:solidFill>
+          </p:spPr>
+          <p:style>
+            <a:lnRef idx="2">
+              <a:schemeClr val="accent1">
+                <a:shade val="50000"/>
+              </a:schemeClr>
+            </a:lnRef>
+            <a:fillRef idx="1">
+              <a:schemeClr val="accent1"/>
+            </a:fillRef>
+            <a:effectRef idx="0">
+              <a:schemeClr val="accent1"/>
+            </a:effectRef>
+            <a:fontRef idx="minor">
+              <a:schemeClr val="lt1"/>
+            </a:fontRef>
+          </p:style>
+          <p:txBody>
+            <a:bodyPr rtlCol="0" anchor="ctr"/>
+            <a:lstStyle/>
+            <a:p>
+              <a:pPr algn="ctr"/>
+              <a:endParaRPr lang="de-DE"/>
+            </a:p>
+          </p:txBody>
+        </p:sp>
+        <p:sp>
+          <p:nvSpPr>
+            <p:cNvPr id="38" name="Textfeld 37">
+              <a:extLst>
+                <a:ext uri="{FF2B5EF4-FFF2-40B4-BE49-F238E27FC236}">
+                  <a16:creationId xmlns:a16="http://schemas.microsoft.com/office/drawing/2014/main" id="{E0CEB6D9-C17E-433A-93C1-0103FF0C905D}"/>
+                </a:ext>
+              </a:extLst>
+            </p:cNvPr>
+            <p:cNvSpPr txBox="1"/>
+            <p:nvPr/>
+          </p:nvSpPr>
+          <p:spPr>
+            <a:xfrm>
+              <a:off x="5282849" y="4844855"/>
+              <a:ext cx="976549" cy="261610"/>
+            </a:xfrm>
+            <a:prstGeom prst="rect">
+              <a:avLst/>
+            </a:prstGeom>
+            <a:noFill/>
+          </p:spPr>
+          <p:txBody>
+            <a:bodyPr wrap="none" rtlCol="0">
+              <a:spAutoFit/>
+            </a:bodyPr>
+            <a:lstStyle/>
+            <a:p>
+              <a:r>
+                <a:rPr lang="de-DE" sz="1100" b="1" dirty="0"/>
+                <a:t>WWW Server</a:t>
+              </a:r>
+            </a:p>
+          </p:txBody>
+        </p:sp>
+        <p:sp>
+          <p:nvSpPr>
+            <p:cNvPr id="40" name="Rechteck 39">
+              <a:extLst>
+                <a:ext uri="{FF2B5EF4-FFF2-40B4-BE49-F238E27FC236}">
+                  <a16:creationId xmlns:a16="http://schemas.microsoft.com/office/drawing/2014/main" id="{EAC8E7CC-0629-4873-9F97-49F9AE22E579}"/>
+                </a:ext>
+              </a:extLst>
+            </p:cNvPr>
+            <p:cNvSpPr/>
+            <p:nvPr/>
+          </p:nvSpPr>
+          <p:spPr>
+            <a:xfrm>
+              <a:off x="3290202" y="1918336"/>
+              <a:ext cx="2579553" cy="862195"/>
+            </a:xfrm>
+            <a:prstGeom prst="rect">
+              <a:avLst/>
+            </a:prstGeom>
+            <a:ln w="34925">
+              <a:solidFill>
+                <a:srgbClr val="C00000"/>
+              </a:solidFill>
+            </a:ln>
+          </p:spPr>
+          <p:style>
+            <a:lnRef idx="2">
+              <a:schemeClr val="accent1">
+                <a:shade val="50000"/>
+              </a:schemeClr>
+            </a:lnRef>
+            <a:fillRef idx="1">
+              <a:schemeClr val="accent1"/>
+            </a:fillRef>
+            <a:effectRef idx="0">
+              <a:schemeClr val="accent1"/>
+            </a:effectRef>
+            <a:fontRef idx="minor">
+              <a:schemeClr val="lt1"/>
+            </a:fontRef>
+          </p:style>
+          <p:txBody>
+            <a:bodyPr rtlCol="0" anchor="t"/>
+            <a:lstStyle/>
+            <a:p>
+              <a:r>
+                <a:rPr lang="de-DE" sz="1100" dirty="0" err="1"/>
+                <a:t>BlogApp</a:t>
+              </a:r>
+              <a:endParaRPr lang="de-DE" sz="1100" dirty="0"/>
+            </a:p>
+            <a:p>
+              <a:r>
+                <a:rPr lang="de-DE" sz="1100" dirty="0"/>
+                <a:t>Frontend</a:t>
+              </a:r>
+              <a:br>
+                <a:rPr lang="de-DE" sz="1100" dirty="0"/>
+              </a:br>
+              <a:r>
+                <a:rPr lang="de-DE" sz="1100" dirty="0"/>
+                <a:t>(Angular)</a:t>
+              </a:r>
+            </a:p>
+          </p:txBody>
+        </p:sp>
+        <p:sp>
+          <p:nvSpPr>
+            <p:cNvPr id="41" name="Rechteck 40">
+              <a:extLst>
+                <a:ext uri="{FF2B5EF4-FFF2-40B4-BE49-F238E27FC236}">
+                  <a16:creationId xmlns:a16="http://schemas.microsoft.com/office/drawing/2014/main" id="{034C0D92-26D2-475C-8BB4-200F56C94611}"/>
+                </a:ext>
+              </a:extLst>
+            </p:cNvPr>
+            <p:cNvSpPr/>
+            <p:nvPr/>
+          </p:nvSpPr>
+          <p:spPr>
+            <a:xfrm>
+              <a:off x="3290201" y="2852258"/>
+              <a:ext cx="2579553" cy="360592"/>
+            </a:xfrm>
+            <a:prstGeom prst="rect">
+              <a:avLst/>
+            </a:prstGeom>
+          </p:spPr>
+          <p:style>
+            <a:lnRef idx="2">
+              <a:schemeClr val="accent1">
+                <a:shade val="50000"/>
+              </a:schemeClr>
+            </a:lnRef>
+            <a:fillRef idx="1">
+              <a:schemeClr val="accent1"/>
+            </a:fillRef>
+            <a:effectRef idx="0">
+              <a:schemeClr val="accent1"/>
+            </a:effectRef>
+            <a:fontRef idx="minor">
+              <a:schemeClr val="lt1"/>
+            </a:fontRef>
+          </p:style>
+          <p:txBody>
+            <a:bodyPr rtlCol="0" anchor="ctr"/>
+            <a:lstStyle/>
+            <a:p>
+              <a:pPr algn="ctr"/>
+              <a:r>
+                <a:rPr lang="de-DE" sz="1100" dirty="0"/>
+                <a:t>Other </a:t>
+              </a:r>
+              <a:r>
+                <a:rPr lang="de-DE" sz="1100" dirty="0" err="1"/>
+                <a:t>WebApp</a:t>
+              </a:r>
+              <a:endParaRPr lang="de-DE" sz="1100" dirty="0"/>
+            </a:p>
+          </p:txBody>
+        </p:sp>
+        <p:sp>
+          <p:nvSpPr>
+            <p:cNvPr id="16" name="Rechteck 15">
+              <a:extLst>
+                <a:ext uri="{FF2B5EF4-FFF2-40B4-BE49-F238E27FC236}">
+                  <a16:creationId xmlns:a16="http://schemas.microsoft.com/office/drawing/2014/main" id="{F816182F-48FD-44CD-9F1E-1BBEB452647F}"/>
+                </a:ext>
+              </a:extLst>
+            </p:cNvPr>
+            <p:cNvSpPr/>
+            <p:nvPr/>
+          </p:nvSpPr>
+          <p:spPr>
+            <a:xfrm>
+              <a:off x="3201971" y="1753846"/>
+              <a:ext cx="2846895" cy="1974335"/>
+            </a:xfrm>
+            <a:prstGeom prst="rect">
+              <a:avLst/>
+            </a:prstGeom>
+            <a:noFill/>
+            <a:ln w="15875">
+              <a:solidFill>
+                <a:schemeClr val="tx1"/>
+              </a:solidFill>
+              <a:prstDash val="dash"/>
+            </a:ln>
+          </p:spPr>
+          <p:style>
+            <a:lnRef idx="2">
+              <a:schemeClr val="accent1">
+                <a:shade val="50000"/>
+              </a:schemeClr>
+            </a:lnRef>
+            <a:fillRef idx="1">
+              <a:schemeClr val="accent1"/>
+            </a:fillRef>
+            <a:effectRef idx="0">
+              <a:schemeClr val="accent1"/>
+            </a:effectRef>
+            <a:fontRef idx="minor">
+              <a:schemeClr val="lt1"/>
+            </a:fontRef>
+          </p:style>
+          <p:txBody>
+            <a:bodyPr rtlCol="0" anchor="ctr"/>
+            <a:lstStyle/>
+            <a:p>
+              <a:pPr algn="ctr"/>
+              <a:endParaRPr lang="de-DE"/>
+            </a:p>
+          </p:txBody>
+        </p:sp>
+        <p:sp>
+          <p:nvSpPr>
+            <p:cNvPr id="42" name="Textfeld 41">
+              <a:extLst>
+                <a:ext uri="{FF2B5EF4-FFF2-40B4-BE49-F238E27FC236}">
+                  <a16:creationId xmlns:a16="http://schemas.microsoft.com/office/drawing/2014/main" id="{C8560FB2-D13F-4075-8807-03170BFEB2B5}"/>
+                </a:ext>
+              </a:extLst>
+            </p:cNvPr>
+            <p:cNvSpPr txBox="1"/>
+            <p:nvPr/>
+          </p:nvSpPr>
+          <p:spPr>
+            <a:xfrm>
+              <a:off x="4954528" y="3489451"/>
+              <a:ext cx="1176925" cy="261610"/>
+            </a:xfrm>
+            <a:prstGeom prst="rect">
+              <a:avLst/>
+            </a:prstGeom>
+            <a:noFill/>
+          </p:spPr>
+          <p:txBody>
+            <a:bodyPr wrap="none" rtlCol="0">
+              <a:spAutoFit/>
+            </a:bodyPr>
+            <a:lstStyle/>
+            <a:p>
+              <a:r>
+                <a:rPr lang="de-DE" sz="1100" dirty="0"/>
+                <a:t>Virtual Domain 1</a:t>
+              </a:r>
+            </a:p>
+          </p:txBody>
+        </p:sp>
+        <p:sp>
+          <p:nvSpPr>
+            <p:cNvPr id="46" name="Rechteck 45">
+              <a:extLst>
+                <a:ext uri="{FF2B5EF4-FFF2-40B4-BE49-F238E27FC236}">
+                  <a16:creationId xmlns:a16="http://schemas.microsoft.com/office/drawing/2014/main" id="{BC315D6A-AB41-4521-ABC0-DB0C7491432C}"/>
+                </a:ext>
+              </a:extLst>
+            </p:cNvPr>
+            <p:cNvSpPr/>
+            <p:nvPr/>
+          </p:nvSpPr>
+          <p:spPr>
+            <a:xfrm>
+              <a:off x="3201971" y="3887623"/>
+              <a:ext cx="2846895" cy="788056"/>
+            </a:xfrm>
+            <a:prstGeom prst="rect">
+              <a:avLst/>
+            </a:prstGeom>
+            <a:noFill/>
+            <a:ln w="15875">
+              <a:solidFill>
+                <a:schemeClr val="tx1"/>
+              </a:solidFill>
+              <a:prstDash val="dash"/>
+            </a:ln>
+          </p:spPr>
+          <p:style>
+            <a:lnRef idx="2">
+              <a:schemeClr val="accent1">
+                <a:shade val="50000"/>
+              </a:schemeClr>
+            </a:lnRef>
+            <a:fillRef idx="1">
+              <a:schemeClr val="accent1"/>
+            </a:fillRef>
+            <a:effectRef idx="0">
+              <a:schemeClr val="accent1"/>
+            </a:effectRef>
+            <a:fontRef idx="minor">
+              <a:schemeClr val="lt1"/>
+            </a:fontRef>
+          </p:style>
+          <p:txBody>
+            <a:bodyPr rtlCol="0" anchor="ctr"/>
+            <a:lstStyle/>
+            <a:p>
+              <a:pPr algn="ctr"/>
+              <a:endParaRPr lang="de-DE"/>
+            </a:p>
+          </p:txBody>
+        </p:sp>
+        <p:sp>
+          <p:nvSpPr>
+            <p:cNvPr id="47" name="Rechteck 46">
+              <a:extLst>
+                <a:ext uri="{FF2B5EF4-FFF2-40B4-BE49-F238E27FC236}">
+                  <a16:creationId xmlns:a16="http://schemas.microsoft.com/office/drawing/2014/main" id="{016ACBEB-73C3-403F-8701-BF6E6AE5F90D}"/>
+                </a:ext>
+              </a:extLst>
+            </p:cNvPr>
+            <p:cNvSpPr/>
+            <p:nvPr/>
+          </p:nvSpPr>
+          <p:spPr>
+            <a:xfrm>
+              <a:off x="3263320" y="3965520"/>
+              <a:ext cx="2606434" cy="360592"/>
+            </a:xfrm>
+            <a:prstGeom prst="rect">
+              <a:avLst/>
+            </a:prstGeom>
+          </p:spPr>
+          <p:style>
+            <a:lnRef idx="2">
+              <a:schemeClr val="accent1">
+                <a:shade val="50000"/>
+              </a:schemeClr>
+            </a:lnRef>
+            <a:fillRef idx="1">
+              <a:schemeClr val="accent1"/>
+            </a:fillRef>
+            <a:effectRef idx="0">
+              <a:schemeClr val="accent1"/>
+            </a:effectRef>
+            <a:fontRef idx="minor">
+              <a:schemeClr val="lt1"/>
+            </a:fontRef>
+          </p:style>
+          <p:txBody>
+            <a:bodyPr rtlCol="0" anchor="ctr"/>
+            <a:lstStyle/>
+            <a:p>
+              <a:pPr algn="ctr"/>
+              <a:r>
+                <a:rPr lang="de-DE" sz="1100" dirty="0" err="1"/>
+                <a:t>WebApp</a:t>
+              </a:r>
+              <a:endParaRPr lang="de-DE" sz="1100" dirty="0"/>
+            </a:p>
+          </p:txBody>
+        </p:sp>
+        <p:sp>
+          <p:nvSpPr>
+            <p:cNvPr id="49" name="Textfeld 48">
+              <a:extLst>
+                <a:ext uri="{FF2B5EF4-FFF2-40B4-BE49-F238E27FC236}">
+                  <a16:creationId xmlns:a16="http://schemas.microsoft.com/office/drawing/2014/main" id="{607AFFD3-E1DE-4423-8B47-2363C7C26881}"/>
+                </a:ext>
+              </a:extLst>
+            </p:cNvPr>
+            <p:cNvSpPr txBox="1"/>
+            <p:nvPr/>
+          </p:nvSpPr>
+          <p:spPr>
+            <a:xfrm>
+              <a:off x="4945287" y="4404536"/>
+              <a:ext cx="1176925" cy="261610"/>
+            </a:xfrm>
+            <a:prstGeom prst="rect">
+              <a:avLst/>
+            </a:prstGeom>
+            <a:noFill/>
+          </p:spPr>
+          <p:txBody>
+            <a:bodyPr wrap="none" rtlCol="0">
+              <a:spAutoFit/>
+            </a:bodyPr>
+            <a:lstStyle/>
+            <a:p>
+              <a:r>
+                <a:rPr lang="de-DE" sz="1100" dirty="0"/>
+                <a:t>Virtual Domain 2</a:t>
+              </a:r>
+            </a:p>
+          </p:txBody>
+        </p:sp>
+        <p:sp>
+          <p:nvSpPr>
+            <p:cNvPr id="17" name="Rechteck 16">
+              <a:extLst>
+                <a:ext uri="{FF2B5EF4-FFF2-40B4-BE49-F238E27FC236}">
+                  <a16:creationId xmlns:a16="http://schemas.microsoft.com/office/drawing/2014/main" id="{6159D1D3-A090-4616-B327-497755E9B27A}"/>
+                </a:ext>
+              </a:extLst>
+            </p:cNvPr>
+            <p:cNvSpPr/>
+            <p:nvPr/>
+          </p:nvSpPr>
+          <p:spPr>
+            <a:xfrm>
+              <a:off x="4160232" y="1987512"/>
+              <a:ext cx="1570111" cy="450651"/>
+            </a:xfrm>
+            <a:prstGeom prst="rect">
+              <a:avLst/>
+            </a:prstGeom>
+            <a:solidFill>
+              <a:schemeClr val="accent4">
+                <a:lumMod val="40000"/>
+                <a:lumOff val="60000"/>
+              </a:schemeClr>
+            </a:solidFill>
+          </p:spPr>
+          <p:style>
+            <a:lnRef idx="2">
+              <a:schemeClr val="accent1">
+                <a:shade val="50000"/>
+              </a:schemeClr>
+            </a:lnRef>
+            <a:fillRef idx="1">
+              <a:schemeClr val="accent1"/>
+            </a:fillRef>
+            <a:effectRef idx="0">
+              <a:schemeClr val="accent1"/>
+            </a:effectRef>
+            <a:fontRef idx="minor">
+              <a:schemeClr val="lt1"/>
+            </a:fontRef>
+          </p:style>
+          <p:txBody>
+            <a:bodyPr rtlCol="0" anchor="ctr"/>
+            <a:lstStyle/>
+            <a:p>
+              <a:pPr algn="ctr"/>
+              <a:endParaRPr lang="de-DE" sz="1100" dirty="0">
+                <a:solidFill>
+                  <a:schemeClr val="tx1"/>
+                </a:solidFill>
+              </a:endParaRPr>
+            </a:p>
+          </p:txBody>
+        </p:sp>
+        <p:sp>
+          <p:nvSpPr>
+            <p:cNvPr id="50" name="Textfeld 49">
+              <a:extLst>
+                <a:ext uri="{FF2B5EF4-FFF2-40B4-BE49-F238E27FC236}">
+                  <a16:creationId xmlns:a16="http://schemas.microsoft.com/office/drawing/2014/main" id="{64DC0AE2-64BD-4DFF-B3C6-538486734F81}"/>
+                </a:ext>
+              </a:extLst>
+            </p:cNvPr>
+            <p:cNvSpPr txBox="1"/>
+            <p:nvPr/>
+          </p:nvSpPr>
+          <p:spPr>
+            <a:xfrm>
+              <a:off x="4150440" y="1967635"/>
+              <a:ext cx="546945" cy="430887"/>
+            </a:xfrm>
+            <a:prstGeom prst="rect">
+              <a:avLst/>
+            </a:prstGeom>
+            <a:noFill/>
+          </p:spPr>
+          <p:txBody>
+            <a:bodyPr wrap="none" rtlCol="0">
+              <a:spAutoFit/>
+            </a:bodyPr>
+            <a:lstStyle/>
+            <a:p>
+              <a:r>
+                <a:rPr lang="de-DE" sz="1100" dirty="0"/>
+                <a:t>Assets</a:t>
+              </a:r>
+              <a:br>
+                <a:rPr lang="de-DE" sz="1100" dirty="0"/>
+              </a:br>
+              <a:r>
+                <a:rPr lang="de-DE" sz="1100" dirty="0" err="1"/>
+                <a:t>folder</a:t>
+              </a:r>
+              <a:endParaRPr lang="de-DE" sz="1100" dirty="0"/>
+            </a:p>
+          </p:txBody>
+        </p:sp>
+        <p:sp>
+          <p:nvSpPr>
+            <p:cNvPr id="21" name="Rechteck 20">
+              <a:extLst>
+                <a:ext uri="{FF2B5EF4-FFF2-40B4-BE49-F238E27FC236}">
+                  <a16:creationId xmlns:a16="http://schemas.microsoft.com/office/drawing/2014/main" id="{02F40BC6-23B5-40F0-95EC-9553FAEC16F8}"/>
+                </a:ext>
+              </a:extLst>
+            </p:cNvPr>
+            <p:cNvSpPr/>
+            <p:nvPr/>
+          </p:nvSpPr>
+          <p:spPr>
+            <a:xfrm>
+              <a:off x="4801540" y="2053819"/>
+              <a:ext cx="351813" cy="344703"/>
+            </a:xfrm>
+            <a:prstGeom prst="rect">
+              <a:avLst/>
+            </a:prstGeom>
+            <a:solidFill>
+              <a:schemeClr val="accent6">
+                <a:lumMod val="40000"/>
+                <a:lumOff val="60000"/>
+              </a:schemeClr>
+            </a:solidFill>
+            <a:ln>
+              <a:solidFill>
+                <a:schemeClr val="accent6">
+                  <a:lumMod val="75000"/>
+                </a:schemeClr>
+              </a:solidFill>
+            </a:ln>
+          </p:spPr>
+          <p:style>
+            <a:lnRef idx="2">
+              <a:schemeClr val="accent1">
+                <a:shade val="50000"/>
+              </a:schemeClr>
+            </a:lnRef>
+            <a:fillRef idx="1">
+              <a:schemeClr val="accent1"/>
+            </a:fillRef>
+            <a:effectRef idx="0">
+              <a:schemeClr val="accent1"/>
+            </a:effectRef>
+            <a:fontRef idx="minor">
+              <a:schemeClr val="lt1"/>
+            </a:fontRef>
+          </p:style>
+          <p:txBody>
+            <a:bodyPr rtlCol="0" anchor="ctr"/>
+            <a:lstStyle/>
+            <a:p>
+              <a:pPr algn="ctr"/>
+              <a:endParaRPr lang="de-DE"/>
+            </a:p>
+          </p:txBody>
+        </p:sp>
+        <p:sp>
+          <p:nvSpPr>
+            <p:cNvPr id="51" name="Textfeld 50">
+              <a:extLst>
+                <a:ext uri="{FF2B5EF4-FFF2-40B4-BE49-F238E27FC236}">
+                  <a16:creationId xmlns:a16="http://schemas.microsoft.com/office/drawing/2014/main" id="{244257BD-DF70-4640-8DB4-62DBB66D96BD}"/>
+                </a:ext>
+              </a:extLst>
+            </p:cNvPr>
+            <p:cNvSpPr txBox="1"/>
+            <p:nvPr/>
+          </p:nvSpPr>
+          <p:spPr>
+            <a:xfrm>
+              <a:off x="4741498" y="2097869"/>
+              <a:ext cx="484234" cy="261610"/>
+            </a:xfrm>
+            <a:prstGeom prst="rect">
+              <a:avLst/>
+            </a:prstGeom>
+            <a:noFill/>
+          </p:spPr>
+          <p:txBody>
+            <a:bodyPr wrap="square" rtlCol="0">
+              <a:spAutoFit/>
+            </a:bodyPr>
+            <a:lstStyle/>
+            <a:p>
+              <a:r>
+                <a:rPr lang="de-DE" sz="1100" dirty="0"/>
+                <a:t>Blogs</a:t>
+              </a:r>
+            </a:p>
+          </p:txBody>
+        </p:sp>
+        <p:sp>
+          <p:nvSpPr>
+            <p:cNvPr id="52" name="Rechteck 51">
+              <a:extLst>
+                <a:ext uri="{FF2B5EF4-FFF2-40B4-BE49-F238E27FC236}">
+                  <a16:creationId xmlns:a16="http://schemas.microsoft.com/office/drawing/2014/main" id="{FA588976-DD1D-41D6-B5F5-B9CD18530A28}"/>
+                </a:ext>
+              </a:extLst>
+            </p:cNvPr>
+            <p:cNvSpPr/>
+            <p:nvPr/>
+          </p:nvSpPr>
+          <p:spPr>
+            <a:xfrm>
+              <a:off x="5218115" y="2056611"/>
+              <a:ext cx="351813" cy="344703"/>
+            </a:xfrm>
+            <a:prstGeom prst="rect">
+              <a:avLst/>
+            </a:prstGeom>
+            <a:solidFill>
+              <a:schemeClr val="accent6">
+                <a:lumMod val="40000"/>
+                <a:lumOff val="60000"/>
+              </a:schemeClr>
+            </a:solidFill>
+            <a:ln>
+              <a:solidFill>
+                <a:schemeClr val="accent6">
+                  <a:lumMod val="75000"/>
+                </a:schemeClr>
+              </a:solidFill>
+            </a:ln>
+          </p:spPr>
+          <p:style>
+            <a:lnRef idx="2">
+              <a:schemeClr val="accent1">
+                <a:shade val="50000"/>
+              </a:schemeClr>
+            </a:lnRef>
+            <a:fillRef idx="1">
+              <a:schemeClr val="accent1"/>
+            </a:fillRef>
+            <a:effectRef idx="0">
+              <a:schemeClr val="accent1"/>
+            </a:effectRef>
+            <a:fontRef idx="minor">
+              <a:schemeClr val="lt1"/>
+            </a:fontRef>
+          </p:style>
+          <p:txBody>
+            <a:bodyPr rtlCol="0" anchor="ctr"/>
+            <a:lstStyle/>
+            <a:p>
+              <a:pPr algn="ctr"/>
+              <a:endParaRPr lang="de-DE"/>
+            </a:p>
+          </p:txBody>
+        </p:sp>
+        <p:sp>
+          <p:nvSpPr>
+            <p:cNvPr id="53" name="Textfeld 52">
+              <a:extLst>
+                <a:ext uri="{FF2B5EF4-FFF2-40B4-BE49-F238E27FC236}">
+                  <a16:creationId xmlns:a16="http://schemas.microsoft.com/office/drawing/2014/main" id="{8A7A33F1-B3E6-436E-8F17-52BFC28D5C34}"/>
+                </a:ext>
+              </a:extLst>
+            </p:cNvPr>
+            <p:cNvSpPr txBox="1"/>
+            <p:nvPr/>
+          </p:nvSpPr>
+          <p:spPr>
+            <a:xfrm>
+              <a:off x="5158073" y="2100661"/>
+              <a:ext cx="484234" cy="261610"/>
+            </a:xfrm>
+            <a:prstGeom prst="rect">
+              <a:avLst/>
+            </a:prstGeom>
+            <a:noFill/>
+          </p:spPr>
+          <p:txBody>
+            <a:bodyPr wrap="square" rtlCol="0">
+              <a:spAutoFit/>
+            </a:bodyPr>
+            <a:lstStyle/>
+            <a:p>
+              <a:r>
+                <a:rPr lang="de-DE" sz="1100" dirty="0"/>
+                <a:t>Blogs</a:t>
+              </a:r>
+            </a:p>
+          </p:txBody>
+        </p:sp>
+        <p:sp>
+          <p:nvSpPr>
+            <p:cNvPr id="22" name="Rechteck: abgerundete Ecken 21">
+              <a:extLst>
+                <a:ext uri="{FF2B5EF4-FFF2-40B4-BE49-F238E27FC236}">
+                  <a16:creationId xmlns:a16="http://schemas.microsoft.com/office/drawing/2014/main" id="{E913232A-E874-4847-80A7-624A26E8BC13}"/>
+                </a:ext>
+              </a:extLst>
+            </p:cNvPr>
+            <p:cNvSpPr/>
+            <p:nvPr/>
+          </p:nvSpPr>
+          <p:spPr>
+            <a:xfrm>
+              <a:off x="4186841" y="3352889"/>
+              <a:ext cx="867266" cy="153812"/>
+            </a:xfrm>
+            <a:prstGeom prst="roundRect">
+              <a:avLst/>
+            </a:prstGeom>
+            <a:solidFill>
+              <a:srgbClr val="C00000"/>
+            </a:solidFill>
+            <a:ln>
+              <a:noFill/>
+            </a:ln>
+          </p:spPr>
+          <p:style>
+            <a:lnRef idx="2">
+              <a:schemeClr val="accent1">
+                <a:shade val="50000"/>
+              </a:schemeClr>
+            </a:lnRef>
+            <a:fillRef idx="1">
+              <a:schemeClr val="accent1"/>
+            </a:fillRef>
+            <a:effectRef idx="0">
+              <a:schemeClr val="accent1"/>
+            </a:effectRef>
+            <a:fontRef idx="minor">
+              <a:schemeClr val="lt1"/>
+            </a:fontRef>
+          </p:style>
+          <p:txBody>
+            <a:bodyPr rtlCol="0" anchor="ctr"/>
+            <a:lstStyle/>
+            <a:p>
+              <a:pPr algn="ctr"/>
+              <a:r>
+                <a:rPr lang="de-DE" sz="1100" dirty="0"/>
+                <a:t>Index.html</a:t>
+              </a:r>
+            </a:p>
+          </p:txBody>
+        </p:sp>
+        <p:sp>
+          <p:nvSpPr>
+            <p:cNvPr id="54" name="Rechteck: abgerundete Ecken 53">
+              <a:extLst>
+                <a:ext uri="{FF2B5EF4-FFF2-40B4-BE49-F238E27FC236}">
+                  <a16:creationId xmlns:a16="http://schemas.microsoft.com/office/drawing/2014/main" id="{BB1B6202-AF4D-4348-B338-C105DD9C12DE}"/>
+                </a:ext>
+              </a:extLst>
+            </p:cNvPr>
+            <p:cNvSpPr/>
+            <p:nvPr/>
+          </p:nvSpPr>
+          <p:spPr>
+            <a:xfrm>
+              <a:off x="4171128" y="2526885"/>
+              <a:ext cx="867266" cy="153812"/>
+            </a:xfrm>
+            <a:prstGeom prst="roundRect">
+              <a:avLst/>
+            </a:prstGeom>
+            <a:solidFill>
+              <a:srgbClr val="C00000"/>
+            </a:solidFill>
+            <a:ln>
+              <a:noFill/>
+            </a:ln>
+          </p:spPr>
+          <p:style>
+            <a:lnRef idx="2">
+              <a:schemeClr val="accent1">
+                <a:shade val="50000"/>
+              </a:schemeClr>
+            </a:lnRef>
+            <a:fillRef idx="1">
+              <a:schemeClr val="accent1"/>
+            </a:fillRef>
+            <a:effectRef idx="0">
+              <a:schemeClr val="accent1"/>
+            </a:effectRef>
+            <a:fontRef idx="minor">
+              <a:schemeClr val="lt1"/>
+            </a:fontRef>
+          </p:style>
+          <p:txBody>
+            <a:bodyPr rtlCol="0" anchor="ctr"/>
+            <a:lstStyle/>
+            <a:p>
+              <a:pPr algn="ctr"/>
+              <a:r>
+                <a:rPr lang="de-DE" sz="1100" dirty="0"/>
+                <a:t>Index.html</a:t>
+              </a:r>
+            </a:p>
+          </p:txBody>
+        </p:sp>
+        <p:sp>
+          <p:nvSpPr>
+            <p:cNvPr id="55" name="Rechteck 54">
+              <a:extLst>
+                <a:ext uri="{FF2B5EF4-FFF2-40B4-BE49-F238E27FC236}">
+                  <a16:creationId xmlns:a16="http://schemas.microsoft.com/office/drawing/2014/main" id="{3B4856A6-3DDA-4771-BD05-C0658725CCAA}"/>
+                </a:ext>
+              </a:extLst>
+            </p:cNvPr>
+            <p:cNvSpPr/>
+            <p:nvPr/>
+          </p:nvSpPr>
+          <p:spPr>
+            <a:xfrm>
+              <a:off x="7022968" y="1684313"/>
+              <a:ext cx="2696067" cy="1405321"/>
+            </a:xfrm>
+            <a:prstGeom prst="rect">
+              <a:avLst/>
+            </a:prstGeom>
+            <a:solidFill>
+              <a:schemeClr val="accent3">
+                <a:lumMod val="20000"/>
+                <a:lumOff val="80000"/>
+              </a:schemeClr>
+            </a:solidFill>
+            <a:ln>
+              <a:solidFill>
+                <a:schemeClr val="tx1"/>
+              </a:solidFill>
+            </a:ln>
+          </p:spPr>
+          <p:style>
+            <a:lnRef idx="2">
+              <a:schemeClr val="accent1">
+                <a:shade val="50000"/>
+              </a:schemeClr>
+            </a:lnRef>
+            <a:fillRef idx="1">
+              <a:schemeClr val="accent1"/>
+            </a:fillRef>
+            <a:effectRef idx="0">
+              <a:schemeClr val="accent1"/>
+            </a:effectRef>
+            <a:fontRef idx="minor">
+              <a:schemeClr val="lt1"/>
+            </a:fontRef>
+          </p:style>
+          <p:txBody>
+            <a:bodyPr rtlCol="0" anchor="ctr"/>
+            <a:lstStyle/>
+            <a:p>
+              <a:pPr algn="ctr"/>
+              <a:endParaRPr lang="de-DE"/>
+            </a:p>
+          </p:txBody>
+        </p:sp>
+        <p:sp>
+          <p:nvSpPr>
+            <p:cNvPr id="56" name="Textfeld 55">
+              <a:extLst>
+                <a:ext uri="{FF2B5EF4-FFF2-40B4-BE49-F238E27FC236}">
+                  <a16:creationId xmlns:a16="http://schemas.microsoft.com/office/drawing/2014/main" id="{A2CB2CD9-7881-4CAB-9142-234C8D590DBF}"/>
+                </a:ext>
+              </a:extLst>
+            </p:cNvPr>
+            <p:cNvSpPr txBox="1"/>
+            <p:nvPr/>
+          </p:nvSpPr>
+          <p:spPr>
+            <a:xfrm>
+              <a:off x="8490335" y="2810677"/>
+              <a:ext cx="1213794" cy="261610"/>
+            </a:xfrm>
+            <a:prstGeom prst="rect">
+              <a:avLst/>
+            </a:prstGeom>
+            <a:noFill/>
+          </p:spPr>
+          <p:txBody>
+            <a:bodyPr wrap="none" rtlCol="0">
+              <a:spAutoFit/>
+            </a:bodyPr>
+            <a:lstStyle/>
+            <a:p>
+              <a:r>
+                <a:rPr lang="de-DE" sz="1100" b="1" dirty="0"/>
+                <a:t>Docker-Container</a:t>
+              </a:r>
+            </a:p>
+          </p:txBody>
+        </p:sp>
+        <p:sp>
+          <p:nvSpPr>
+            <p:cNvPr id="57" name="Rechteck 56">
+              <a:extLst>
+                <a:ext uri="{FF2B5EF4-FFF2-40B4-BE49-F238E27FC236}">
+                  <a16:creationId xmlns:a16="http://schemas.microsoft.com/office/drawing/2014/main" id="{B3921FC5-C91D-4184-98D5-CEB7C51ABF91}"/>
+                </a:ext>
+              </a:extLst>
+            </p:cNvPr>
+            <p:cNvSpPr/>
+            <p:nvPr/>
+          </p:nvSpPr>
+          <p:spPr>
+            <a:xfrm>
+              <a:off x="7217493" y="1918335"/>
+              <a:ext cx="2322433" cy="862195"/>
+            </a:xfrm>
+            <a:prstGeom prst="rect">
+              <a:avLst/>
+            </a:prstGeom>
+            <a:solidFill>
+              <a:schemeClr val="accent6">
+                <a:lumMod val="40000"/>
+                <a:lumOff val="60000"/>
+              </a:schemeClr>
+            </a:solidFill>
+            <a:ln>
+              <a:solidFill>
+                <a:schemeClr val="accent6">
+                  <a:lumMod val="50000"/>
+                </a:schemeClr>
+              </a:solidFill>
+            </a:ln>
+          </p:spPr>
+          <p:style>
+            <a:lnRef idx="2">
+              <a:schemeClr val="accent1">
+                <a:shade val="50000"/>
+              </a:schemeClr>
+            </a:lnRef>
+            <a:fillRef idx="1">
+              <a:schemeClr val="accent1"/>
+            </a:fillRef>
+            <a:effectRef idx="0">
+              <a:schemeClr val="accent1"/>
+            </a:effectRef>
+            <a:fontRef idx="minor">
+              <a:schemeClr val="lt1"/>
+            </a:fontRef>
+          </p:style>
+          <p:txBody>
+            <a:bodyPr rtlCol="0" anchor="t"/>
+            <a:lstStyle/>
+            <a:p>
+              <a:r>
+                <a:rPr lang="de-DE" sz="1100" dirty="0" err="1">
+                  <a:solidFill>
+                    <a:schemeClr val="tx1"/>
+                  </a:solidFill>
+                </a:rPr>
+                <a:t>Gunicorn</a:t>
+              </a:r>
+              <a:r>
+                <a:rPr lang="de-DE" sz="1100" dirty="0">
+                  <a:solidFill>
+                    <a:schemeClr val="tx1"/>
+                  </a:solidFill>
+                </a:rPr>
+                <a:t>/</a:t>
+              </a:r>
+              <a:br>
+                <a:rPr lang="de-DE" sz="1100" dirty="0">
+                  <a:solidFill>
+                    <a:schemeClr val="tx1"/>
+                  </a:solidFill>
+                </a:rPr>
+              </a:br>
+              <a:r>
+                <a:rPr lang="de-DE" sz="1100" dirty="0" err="1">
+                  <a:solidFill>
+                    <a:schemeClr val="tx1"/>
+                  </a:solidFill>
+                </a:rPr>
+                <a:t>Flask</a:t>
+              </a:r>
+              <a:endParaRPr lang="de-DE" sz="1100" dirty="0">
+                <a:solidFill>
+                  <a:schemeClr val="tx1"/>
+                </a:solidFill>
+              </a:endParaRPr>
+            </a:p>
+          </p:txBody>
+        </p:sp>
+        <p:sp>
+          <p:nvSpPr>
+            <p:cNvPr id="58" name="Rechteck 57">
+              <a:extLst>
+                <a:ext uri="{FF2B5EF4-FFF2-40B4-BE49-F238E27FC236}">
+                  <a16:creationId xmlns:a16="http://schemas.microsoft.com/office/drawing/2014/main" id="{DAC83A39-7BED-4079-BD1B-0A48D995BA6F}"/>
+                </a:ext>
+              </a:extLst>
+            </p:cNvPr>
+            <p:cNvSpPr/>
+            <p:nvPr/>
+          </p:nvSpPr>
+          <p:spPr>
+            <a:xfrm>
+              <a:off x="7983823" y="2022877"/>
+              <a:ext cx="1410977" cy="600164"/>
+            </a:xfrm>
+            <a:prstGeom prst="rect">
+              <a:avLst/>
+            </a:prstGeom>
+            <a:solidFill>
+              <a:schemeClr val="accent6">
+                <a:lumMod val="75000"/>
+              </a:schemeClr>
+            </a:solidFill>
+            <a:ln w="38100">
+              <a:solidFill>
+                <a:srgbClr val="C00000"/>
+              </a:solidFill>
+            </a:ln>
+          </p:spPr>
+          <p:style>
+            <a:lnRef idx="2">
+              <a:schemeClr val="accent1">
+                <a:shade val="50000"/>
+              </a:schemeClr>
+            </a:lnRef>
+            <a:fillRef idx="1">
+              <a:schemeClr val="accent1"/>
+            </a:fillRef>
+            <a:effectRef idx="0">
+              <a:schemeClr val="accent1"/>
+            </a:effectRef>
+            <a:fontRef idx="minor">
+              <a:schemeClr val="lt1"/>
+            </a:fontRef>
+          </p:style>
+          <p:txBody>
+            <a:bodyPr rtlCol="0" anchor="ctr"/>
+            <a:lstStyle/>
+            <a:p>
+              <a:pPr algn="ctr"/>
+              <a:endParaRPr lang="de-DE">
+                <a:solidFill>
+                  <a:schemeClr val="bg1"/>
+                </a:solidFill>
+              </a:endParaRPr>
+            </a:p>
+          </p:txBody>
+        </p:sp>
+        <p:sp>
+          <p:nvSpPr>
+            <p:cNvPr id="59" name="Textfeld 58">
+              <a:extLst>
+                <a:ext uri="{FF2B5EF4-FFF2-40B4-BE49-F238E27FC236}">
+                  <a16:creationId xmlns:a16="http://schemas.microsoft.com/office/drawing/2014/main" id="{BD3299DD-694D-48FD-9CC1-38412535DC2F}"/>
+                </a:ext>
+              </a:extLst>
+            </p:cNvPr>
+            <p:cNvSpPr txBox="1"/>
+            <p:nvPr/>
+          </p:nvSpPr>
+          <p:spPr>
+            <a:xfrm>
+              <a:off x="8370120" y="2019652"/>
+              <a:ext cx="727112" cy="600164"/>
+            </a:xfrm>
+            <a:prstGeom prst="rect">
+              <a:avLst/>
+            </a:prstGeom>
+            <a:noFill/>
+          </p:spPr>
+          <p:txBody>
+            <a:bodyPr wrap="square" rtlCol="0">
+              <a:spAutoFit/>
+            </a:bodyPr>
+            <a:lstStyle/>
+            <a:p>
+              <a:r>
+                <a:rPr lang="de-DE" sz="1100" dirty="0" err="1">
+                  <a:solidFill>
+                    <a:schemeClr val="bg1"/>
+                  </a:solidFill>
+                </a:rPr>
+                <a:t>BlogApp</a:t>
+              </a:r>
+              <a:endParaRPr lang="de-DE" sz="1100" dirty="0">
+                <a:solidFill>
+                  <a:schemeClr val="bg1"/>
+                </a:solidFill>
+              </a:endParaRPr>
+            </a:p>
+            <a:p>
+              <a:r>
+                <a:rPr lang="de-DE" sz="1100" dirty="0">
+                  <a:solidFill>
+                    <a:schemeClr val="bg1"/>
+                  </a:solidFill>
+                </a:rPr>
+                <a:t>Backend</a:t>
+              </a:r>
+            </a:p>
+            <a:p>
+              <a:r>
+                <a:rPr lang="de-DE" sz="1100" dirty="0">
+                  <a:solidFill>
+                    <a:schemeClr val="bg1"/>
+                  </a:solidFill>
+                </a:rPr>
+                <a:t>(Python)</a:t>
+              </a:r>
+            </a:p>
+          </p:txBody>
+        </p:sp>
+        <p:sp>
+          <p:nvSpPr>
+            <p:cNvPr id="68" name="Rechteck 67">
+              <a:extLst>
+                <a:ext uri="{FF2B5EF4-FFF2-40B4-BE49-F238E27FC236}">
+                  <a16:creationId xmlns:a16="http://schemas.microsoft.com/office/drawing/2014/main" id="{97CCA4AC-684D-4A54-A30C-79E17B7C7D46}"/>
+                </a:ext>
+              </a:extLst>
+            </p:cNvPr>
+            <p:cNvSpPr/>
+            <p:nvPr/>
+          </p:nvSpPr>
+          <p:spPr>
+            <a:xfrm>
+              <a:off x="7022086" y="3241974"/>
+              <a:ext cx="2696067" cy="799767"/>
+            </a:xfrm>
+            <a:prstGeom prst="rect">
+              <a:avLst/>
+            </a:prstGeom>
+            <a:solidFill>
+              <a:schemeClr val="accent3">
+                <a:lumMod val="20000"/>
+                <a:lumOff val="80000"/>
+              </a:schemeClr>
+            </a:solidFill>
+            <a:ln>
+              <a:solidFill>
+                <a:schemeClr val="tx1"/>
+              </a:solidFill>
+            </a:ln>
+          </p:spPr>
+          <p:style>
+            <a:lnRef idx="2">
+              <a:schemeClr val="accent1">
+                <a:shade val="50000"/>
+              </a:schemeClr>
+            </a:lnRef>
+            <a:fillRef idx="1">
+              <a:schemeClr val="accent1"/>
+            </a:fillRef>
+            <a:effectRef idx="0">
+              <a:schemeClr val="accent1"/>
+            </a:effectRef>
+            <a:fontRef idx="minor">
+              <a:schemeClr val="lt1"/>
+            </a:fontRef>
+          </p:style>
+          <p:txBody>
+            <a:bodyPr rtlCol="0" anchor="ctr"/>
+            <a:lstStyle/>
+            <a:p>
+              <a:pPr algn="ctr"/>
+              <a:endParaRPr lang="de-DE"/>
+            </a:p>
+          </p:txBody>
+        </p:sp>
+        <p:sp>
+          <p:nvSpPr>
+            <p:cNvPr id="69" name="Textfeld 68">
+              <a:extLst>
+                <a:ext uri="{FF2B5EF4-FFF2-40B4-BE49-F238E27FC236}">
+                  <a16:creationId xmlns:a16="http://schemas.microsoft.com/office/drawing/2014/main" id="{70285F80-BBD0-4E9E-9C4B-80F4F99FCA27}"/>
+                </a:ext>
+              </a:extLst>
+            </p:cNvPr>
+            <p:cNvSpPr txBox="1"/>
+            <p:nvPr/>
+          </p:nvSpPr>
+          <p:spPr>
+            <a:xfrm>
+              <a:off x="8504359" y="3683024"/>
+              <a:ext cx="1213794" cy="261610"/>
+            </a:xfrm>
+            <a:prstGeom prst="rect">
+              <a:avLst/>
+            </a:prstGeom>
+            <a:noFill/>
+          </p:spPr>
+          <p:txBody>
+            <a:bodyPr wrap="none" rtlCol="0">
+              <a:spAutoFit/>
+            </a:bodyPr>
+            <a:lstStyle/>
+            <a:p>
+              <a:r>
+                <a:rPr lang="de-DE" sz="1100" b="1" dirty="0"/>
+                <a:t>Docker-Container</a:t>
+              </a:r>
+            </a:p>
+          </p:txBody>
+        </p:sp>
+        <p:sp>
+          <p:nvSpPr>
+            <p:cNvPr id="76" name="Textfeld 75">
+              <a:extLst>
+                <a:ext uri="{FF2B5EF4-FFF2-40B4-BE49-F238E27FC236}">
+                  <a16:creationId xmlns:a16="http://schemas.microsoft.com/office/drawing/2014/main" id="{BD4A403E-4188-4FAE-9DD9-40FFA1532DCB}"/>
+                </a:ext>
+              </a:extLst>
+            </p:cNvPr>
+            <p:cNvSpPr txBox="1"/>
+            <p:nvPr/>
+          </p:nvSpPr>
+          <p:spPr>
+            <a:xfrm>
+              <a:off x="7651597" y="3323656"/>
+              <a:ext cx="727112" cy="430887"/>
+            </a:xfrm>
+            <a:prstGeom prst="rect">
+              <a:avLst/>
+            </a:prstGeom>
+            <a:noFill/>
+          </p:spPr>
+          <p:txBody>
+            <a:bodyPr wrap="square" rtlCol="0">
+              <a:spAutoFit/>
+            </a:bodyPr>
+            <a:lstStyle/>
+            <a:p>
+              <a:r>
+                <a:rPr lang="de-DE" sz="1100" dirty="0"/>
+                <a:t>Other Backend</a:t>
+              </a:r>
+            </a:p>
+          </p:txBody>
+        </p:sp>
+        <p:cxnSp>
+          <p:nvCxnSpPr>
+            <p:cNvPr id="26" name="Gerade Verbindung mit Pfeil 25">
+              <a:extLst>
+                <a:ext uri="{FF2B5EF4-FFF2-40B4-BE49-F238E27FC236}">
+                  <a16:creationId xmlns:a16="http://schemas.microsoft.com/office/drawing/2014/main" id="{D4EE5A83-81A4-4E6D-8DA2-3585902BCD4E}"/>
+                </a:ext>
+              </a:extLst>
+            </p:cNvPr>
+            <p:cNvCxnSpPr>
+              <a:cxnSpLocks/>
+            </p:cNvCxnSpPr>
+            <p:nvPr/>
+          </p:nvCxnSpPr>
+          <p:spPr>
+            <a:xfrm>
+              <a:off x="5869754" y="2526885"/>
+              <a:ext cx="2114069" cy="0"/>
+            </a:xfrm>
+            <a:prstGeom prst="straightConnector1">
+              <a:avLst/>
+            </a:prstGeom>
+            <a:ln w="25400">
+              <a:solidFill>
+                <a:srgbClr val="7030A0"/>
+              </a:solidFill>
+              <a:tailEnd type="arrow"/>
+            </a:ln>
+          </p:spPr>
+          <p:style>
+            <a:lnRef idx="1">
+              <a:schemeClr val="accent1"/>
+            </a:lnRef>
+            <a:fillRef idx="0">
+              <a:schemeClr val="accent1"/>
+            </a:fillRef>
+            <a:effectRef idx="0">
+              <a:schemeClr val="accent1"/>
+            </a:effectRef>
+            <a:fontRef idx="minor">
+              <a:schemeClr val="tx1"/>
+            </a:fontRef>
+          </p:style>
+        </p:cxnSp>
+        <p:sp>
+          <p:nvSpPr>
+            <p:cNvPr id="77" name="Textfeld 76">
+              <a:extLst>
+                <a:ext uri="{FF2B5EF4-FFF2-40B4-BE49-F238E27FC236}">
+                  <a16:creationId xmlns:a16="http://schemas.microsoft.com/office/drawing/2014/main" id="{36007E89-0E86-497C-AC79-3814C674EBF7}"/>
+                </a:ext>
+              </a:extLst>
+            </p:cNvPr>
+            <p:cNvSpPr txBox="1"/>
+            <p:nvPr/>
+          </p:nvSpPr>
+          <p:spPr>
+            <a:xfrm>
+              <a:off x="5992878" y="2546910"/>
+              <a:ext cx="1867819" cy="261610"/>
+            </a:xfrm>
+            <a:prstGeom prst="rect">
+              <a:avLst/>
+            </a:prstGeom>
+            <a:solidFill>
+              <a:schemeClr val="bg1">
+                <a:alpha val="80000"/>
+              </a:schemeClr>
+            </a:solidFill>
+          </p:spPr>
+          <p:txBody>
+            <a:bodyPr wrap="none" rtlCol="0">
+              <a:spAutoFit/>
+            </a:bodyPr>
+            <a:lstStyle/>
+            <a:p>
+              <a:r>
+                <a:rPr lang="de-DE" sz="1100" dirty="0">
+                  <a:solidFill>
+                    <a:srgbClr val="7030A0"/>
+                  </a:solidFill>
+                </a:rPr>
+                <a:t>http://&lt;ip&gt;:&lt;port&gt;/blogs-api/</a:t>
+              </a:r>
+            </a:p>
+          </p:txBody>
+        </p:sp>
+        <p:cxnSp>
+          <p:nvCxnSpPr>
+            <p:cNvPr id="29" name="Verbinder: gewinkelt 28">
+              <a:extLst>
+                <a:ext uri="{FF2B5EF4-FFF2-40B4-BE49-F238E27FC236}">
+                  <a16:creationId xmlns:a16="http://schemas.microsoft.com/office/drawing/2014/main" id="{642A45C0-FC2A-4385-9A54-C2D18C1B9184}"/>
+                </a:ext>
+              </a:extLst>
+            </p:cNvPr>
+            <p:cNvCxnSpPr>
+              <a:stCxn id="59" idx="0"/>
+              <a:endCxn id="17" idx="0"/>
+            </p:cNvCxnSpPr>
+            <p:nvPr/>
+          </p:nvCxnSpPr>
+          <p:spPr>
+            <a:xfrm rot="16200000" flipV="1">
+              <a:off x="6823412" y="109388"/>
+              <a:ext cx="32140" cy="3788388"/>
+            </a:xfrm>
+            <a:prstGeom prst="bentConnector3">
+              <a:avLst>
+                <a:gd name="adj1" fmla="val 2336447"/>
+              </a:avLst>
+            </a:prstGeom>
+            <a:ln w="25400">
+              <a:solidFill>
+                <a:srgbClr val="7030A0"/>
+              </a:solidFill>
+              <a:prstDash val="solid"/>
+              <a:tailEnd type="arrow"/>
+            </a:ln>
+          </p:spPr>
+          <p:style>
+            <a:lnRef idx="1">
+              <a:schemeClr val="accent1"/>
+            </a:lnRef>
+            <a:fillRef idx="0">
+              <a:schemeClr val="accent1"/>
+            </a:fillRef>
+            <a:effectRef idx="0">
+              <a:schemeClr val="accent1"/>
+            </a:effectRef>
+            <a:fontRef idx="minor">
+              <a:schemeClr val="tx1"/>
+            </a:fontRef>
+          </p:style>
+        </p:cxnSp>
+        <p:sp>
+          <p:nvSpPr>
+            <p:cNvPr id="78" name="Textfeld 77">
+              <a:extLst>
+                <a:ext uri="{FF2B5EF4-FFF2-40B4-BE49-F238E27FC236}">
+                  <a16:creationId xmlns:a16="http://schemas.microsoft.com/office/drawing/2014/main" id="{BB8D59B7-C4B4-4EFC-86C4-321249BA7D98}"/>
+                </a:ext>
+              </a:extLst>
+            </p:cNvPr>
+            <p:cNvSpPr txBox="1"/>
+            <p:nvPr/>
+          </p:nvSpPr>
+          <p:spPr>
+            <a:xfrm>
+              <a:off x="5317588" y="965345"/>
+              <a:ext cx="3264035" cy="261610"/>
+            </a:xfrm>
+            <a:prstGeom prst="rect">
+              <a:avLst/>
+            </a:prstGeom>
+            <a:solidFill>
+              <a:schemeClr val="bg1">
+                <a:alpha val="70000"/>
+              </a:schemeClr>
+            </a:solidFill>
+          </p:spPr>
+          <p:txBody>
+            <a:bodyPr wrap="none" rtlCol="0">
+              <a:spAutoFit/>
+            </a:bodyPr>
+            <a:lstStyle/>
+            <a:p>
+              <a:r>
+                <a:rPr lang="de-DE" sz="1100" dirty="0" err="1">
+                  <a:solidFill>
+                    <a:srgbClr val="7030A0"/>
+                  </a:solidFill>
+                </a:rPr>
+                <a:t>reference</a:t>
+              </a:r>
+              <a:r>
+                <a:rPr lang="de-DE" sz="1100" dirty="0">
+                  <a:solidFill>
+                    <a:srgbClr val="7030A0"/>
+                  </a:solidFill>
+                </a:rPr>
+                <a:t> </a:t>
+              </a:r>
+              <a:r>
+                <a:rPr lang="de-DE" sz="1100" dirty="0" err="1">
+                  <a:solidFill>
+                    <a:srgbClr val="7030A0"/>
+                  </a:solidFill>
+                </a:rPr>
+                <a:t>to</a:t>
+              </a:r>
+              <a:r>
+                <a:rPr lang="de-DE" sz="1100" dirty="0">
+                  <a:solidFill>
+                    <a:srgbClr val="7030A0"/>
+                  </a:solidFill>
+                </a:rPr>
+                <a:t> ‚</a:t>
+              </a:r>
+              <a:r>
+                <a:rPr lang="de-DE" sz="1100" dirty="0" err="1">
+                  <a:solidFill>
+                    <a:srgbClr val="7030A0"/>
+                  </a:solidFill>
+                </a:rPr>
+                <a:t>assets</a:t>
+              </a:r>
+              <a:r>
+                <a:rPr lang="de-DE" sz="1100" dirty="0">
+                  <a:solidFill>
+                    <a:srgbClr val="7030A0"/>
+                  </a:solidFill>
+                </a:rPr>
+                <a:t>‘ </a:t>
+              </a:r>
+              <a:r>
+                <a:rPr lang="de-DE" sz="1100" dirty="0" err="1">
+                  <a:solidFill>
+                    <a:srgbClr val="7030A0"/>
+                  </a:solidFill>
+                </a:rPr>
+                <a:t>folder</a:t>
+              </a:r>
+              <a:r>
+                <a:rPr lang="de-DE" sz="1100" dirty="0">
+                  <a:solidFill>
+                    <a:srgbClr val="7030A0"/>
+                  </a:solidFill>
+                </a:rPr>
+                <a:t> </a:t>
+              </a:r>
+              <a:r>
+                <a:rPr lang="de-DE" sz="1100" dirty="0" err="1">
+                  <a:solidFill>
+                    <a:srgbClr val="7030A0"/>
+                  </a:solidFill>
+                </a:rPr>
+                <a:t>location</a:t>
+              </a:r>
+              <a:r>
+                <a:rPr lang="de-DE" sz="1100" dirty="0">
+                  <a:solidFill>
+                    <a:srgbClr val="7030A0"/>
+                  </a:solidFill>
+                </a:rPr>
+                <a:t> (via Environment)</a:t>
+              </a:r>
+            </a:p>
+          </p:txBody>
+        </p:sp>
+        <p:sp>
+          <p:nvSpPr>
+            <p:cNvPr id="80" name="Textfeld 79">
+              <a:extLst>
+                <a:ext uri="{FF2B5EF4-FFF2-40B4-BE49-F238E27FC236}">
+                  <a16:creationId xmlns:a16="http://schemas.microsoft.com/office/drawing/2014/main" id="{EEE4DB32-8138-4694-8FD3-3CA49BC96F68}"/>
+                </a:ext>
+              </a:extLst>
+            </p:cNvPr>
+            <p:cNvSpPr txBox="1"/>
+            <p:nvPr/>
+          </p:nvSpPr>
+          <p:spPr>
+            <a:xfrm>
+              <a:off x="1989231" y="2609981"/>
+              <a:ext cx="1973617" cy="261610"/>
+            </a:xfrm>
+            <a:prstGeom prst="rect">
+              <a:avLst/>
+            </a:prstGeom>
+            <a:solidFill>
+              <a:schemeClr val="bg1">
+                <a:alpha val="80000"/>
+              </a:schemeClr>
+            </a:solidFill>
+          </p:spPr>
+          <p:txBody>
+            <a:bodyPr wrap="none" rtlCol="0">
+              <a:spAutoFit/>
+            </a:bodyPr>
+            <a:lstStyle/>
+            <a:p>
+              <a:r>
+                <a:rPr lang="de-DE" sz="1100" dirty="0">
+                  <a:solidFill>
+                    <a:srgbClr val="7030A0"/>
+                  </a:solidFill>
+                </a:rPr>
+                <a:t>https://&lt;virt-domain&gt;/blogging</a:t>
+              </a:r>
+            </a:p>
+          </p:txBody>
+        </p:sp>
+        <p:pic>
+          <p:nvPicPr>
+            <p:cNvPr id="81" name="Grafik 80" descr="Internet">
+              <a:extLst>
+                <a:ext uri="{FF2B5EF4-FFF2-40B4-BE49-F238E27FC236}">
+                  <a16:creationId xmlns:a16="http://schemas.microsoft.com/office/drawing/2014/main" id="{28F224AB-BC86-4BB4-BCA5-60F626D01264}"/>
+                </a:ext>
+              </a:extLst>
+            </p:cNvPr>
+            <p:cNvPicPr>
+              <a:picLocks noChangeAspect="1"/>
+            </p:cNvPicPr>
+            <p:nvPr/>
+          </p:nvPicPr>
+          <p:blipFill>
+            <a:blip r:embed="rId2">
+              <a:extLst>
+                <a:ext uri="{28A0092B-C50C-407E-A947-70E740481C1C}">
+                  <a14:useLocalDpi xmlns:a14="http://schemas.microsoft.com/office/drawing/2010/main" val="0"/>
+                </a:ext>
+                <a:ext uri="{96DAC541-7B7A-43D3-8B79-37D633B846F1}">
+                  <asvg:svgBlip xmlns:asvg="http://schemas.microsoft.com/office/drawing/2016/SVG/main" r:embed="rId3"/>
+                </a:ext>
+              </a:extLst>
+            </a:blip>
+            <a:stretch>
+              <a:fillRect/>
+            </a:stretch>
+          </p:blipFill>
+          <p:spPr>
+            <a:xfrm>
+              <a:off x="1028254" y="2053819"/>
+              <a:ext cx="914400" cy="914400"/>
+            </a:xfrm>
+            <a:prstGeom prst="rect">
+              <a:avLst/>
+            </a:prstGeom>
+          </p:spPr>
+        </p:pic>
+        <p:sp>
+          <p:nvSpPr>
+            <p:cNvPr id="82" name="Textfeld 81">
+              <a:extLst>
+                <a:ext uri="{FF2B5EF4-FFF2-40B4-BE49-F238E27FC236}">
+                  <a16:creationId xmlns:a16="http://schemas.microsoft.com/office/drawing/2014/main" id="{51AF16F4-AAF6-4FA2-A21B-A80C046F9D50}"/>
+                </a:ext>
+              </a:extLst>
+            </p:cNvPr>
+            <p:cNvSpPr txBox="1"/>
+            <p:nvPr/>
+          </p:nvSpPr>
+          <p:spPr>
+            <a:xfrm>
+              <a:off x="951021" y="2756226"/>
+              <a:ext cx="981359" cy="261610"/>
+            </a:xfrm>
+            <a:prstGeom prst="rect">
+              <a:avLst/>
+            </a:prstGeom>
+            <a:noFill/>
+          </p:spPr>
+          <p:txBody>
+            <a:bodyPr wrap="none" rtlCol="0">
+              <a:spAutoFit/>
+            </a:bodyPr>
+            <a:lstStyle/>
+            <a:p>
+              <a:r>
+                <a:rPr lang="de-DE" sz="1100" b="1" dirty="0"/>
+                <a:t>User-Browser</a:t>
+              </a:r>
+            </a:p>
+          </p:txBody>
+        </p:sp>
+        <p:sp>
+          <p:nvSpPr>
+            <p:cNvPr id="85" name="Textfeld 84">
+              <a:extLst>
+                <a:ext uri="{FF2B5EF4-FFF2-40B4-BE49-F238E27FC236}">
+                  <a16:creationId xmlns:a16="http://schemas.microsoft.com/office/drawing/2014/main" id="{4CB5F061-F1BD-42BA-A122-9DBCDBED9CE0}"/>
+                </a:ext>
+              </a:extLst>
+            </p:cNvPr>
+            <p:cNvSpPr txBox="1"/>
+            <p:nvPr/>
+          </p:nvSpPr>
+          <p:spPr>
+            <a:xfrm>
+              <a:off x="6327437" y="2256168"/>
+              <a:ext cx="686406" cy="261610"/>
+            </a:xfrm>
+            <a:prstGeom prst="rect">
+              <a:avLst/>
+            </a:prstGeom>
+            <a:solidFill>
+              <a:schemeClr val="bg1">
+                <a:alpha val="80000"/>
+              </a:schemeClr>
+            </a:solidFill>
+          </p:spPr>
+          <p:txBody>
+            <a:bodyPr wrap="none" rtlCol="0">
+              <a:spAutoFit/>
+            </a:bodyPr>
+            <a:lstStyle/>
+            <a:p>
+              <a:r>
+                <a:rPr lang="de-DE" sz="1100" dirty="0">
+                  <a:solidFill>
+                    <a:srgbClr val="7030A0"/>
+                  </a:solidFill>
+                </a:rPr>
+                <a:t>REST </a:t>
+              </a:r>
+              <a:r>
+                <a:rPr lang="de-DE" sz="1100" dirty="0" err="1">
+                  <a:solidFill>
+                    <a:srgbClr val="7030A0"/>
+                  </a:solidFill>
+                </a:rPr>
+                <a:t>call</a:t>
+              </a:r>
+              <a:endParaRPr lang="de-DE" sz="1100" dirty="0">
+                <a:solidFill>
+                  <a:srgbClr val="7030A0"/>
+                </a:solidFill>
+              </a:endParaRPr>
+            </a:p>
+          </p:txBody>
+        </p:sp>
+        <p:sp>
+          <p:nvSpPr>
+            <p:cNvPr id="86" name="Textfeld 85">
+              <a:extLst>
+                <a:ext uri="{FF2B5EF4-FFF2-40B4-BE49-F238E27FC236}">
+                  <a16:creationId xmlns:a16="http://schemas.microsoft.com/office/drawing/2014/main" id="{DC10783E-B35D-4755-AABA-86FF839B24F0}"/>
+                </a:ext>
+              </a:extLst>
+            </p:cNvPr>
+            <p:cNvSpPr txBox="1"/>
+            <p:nvPr/>
+          </p:nvSpPr>
+          <p:spPr>
+            <a:xfrm>
+              <a:off x="2277449" y="2319734"/>
+              <a:ext cx="671979" cy="261610"/>
+            </a:xfrm>
+            <a:prstGeom prst="rect">
+              <a:avLst/>
+            </a:prstGeom>
+            <a:solidFill>
+              <a:schemeClr val="bg1">
+                <a:alpha val="80000"/>
+              </a:schemeClr>
+            </a:solidFill>
+          </p:spPr>
+          <p:txBody>
+            <a:bodyPr wrap="none" rtlCol="0">
+              <a:spAutoFit/>
+            </a:bodyPr>
+            <a:lstStyle/>
+            <a:p>
+              <a:r>
+                <a:rPr lang="de-DE" sz="1100" dirty="0">
+                  <a:solidFill>
+                    <a:srgbClr val="7030A0"/>
+                  </a:solidFill>
+                </a:rPr>
+                <a:t>User </a:t>
+              </a:r>
+              <a:r>
+                <a:rPr lang="de-DE" sz="1100" dirty="0" err="1">
+                  <a:solidFill>
+                    <a:srgbClr val="7030A0"/>
+                  </a:solidFill>
+                </a:rPr>
+                <a:t>call</a:t>
+              </a:r>
+              <a:endParaRPr lang="de-DE" sz="1100" dirty="0">
+                <a:solidFill>
+                  <a:srgbClr val="7030A0"/>
+                </a:solidFill>
+              </a:endParaRPr>
+            </a:p>
+          </p:txBody>
+        </p:sp>
+        <p:cxnSp>
+          <p:nvCxnSpPr>
+            <p:cNvPr id="87" name="Gerade Verbindung mit Pfeil 86">
+              <a:extLst>
+                <a:ext uri="{FF2B5EF4-FFF2-40B4-BE49-F238E27FC236}">
+                  <a16:creationId xmlns:a16="http://schemas.microsoft.com/office/drawing/2014/main" id="{EE2A573C-CCD9-4691-8F62-31DE0B955B6D}"/>
+                </a:ext>
+              </a:extLst>
+            </p:cNvPr>
+            <p:cNvCxnSpPr>
+              <a:cxnSpLocks/>
+            </p:cNvCxnSpPr>
+            <p:nvPr/>
+          </p:nvCxnSpPr>
+          <p:spPr>
+            <a:xfrm>
+              <a:off x="2036371" y="2581344"/>
+              <a:ext cx="2114069" cy="0"/>
+            </a:xfrm>
+            <a:prstGeom prst="straightConnector1">
+              <a:avLst/>
+            </a:prstGeom>
+            <a:ln w="25400">
+              <a:solidFill>
+                <a:srgbClr val="7030A0"/>
+              </a:solidFill>
+              <a:tailEnd type="arrow"/>
+            </a:ln>
+          </p:spPr>
+          <p:style>
+            <a:lnRef idx="1">
+              <a:schemeClr val="accent1"/>
+            </a:lnRef>
+            <a:fillRef idx="0">
+              <a:schemeClr val="accent1"/>
+            </a:fillRef>
+            <a:effectRef idx="0">
+              <a:schemeClr val="accent1"/>
+            </a:effectRef>
+            <a:fontRef idx="minor">
+              <a:schemeClr val="tx1"/>
+            </a:fontRef>
+          </p:style>
+        </p:cxnSp>
+      </p:grpSp>
+    </p:spTree>
+    <p:extLst>
+      <p:ext uri="{BB962C8B-B14F-4D97-AF65-F5344CB8AC3E}">
+        <p14:creationId xmlns:p14="http://schemas.microsoft.com/office/powerpoint/2010/main" val="876602167"/>
+      </p:ext>
+    </p:extLst>
+  </p:cSld>
+  <p:clrMapOvr>
+    <a:masterClrMapping/>
+  </p:clrMapOvr>
+</p:sld>
+</file>
+
+<file path=ppt/slides/slide3.xml><?xml version="1.0" encoding="utf-8"?>
+<p:sld xmlns:a="http://schemas.openxmlformats.org/drawingml/2006/main" xmlns:r="http://schemas.openxmlformats.org/officeDocument/2006/relationships" xmlns:p="http://schemas.openxmlformats.org/presentationml/2006/main">
+  <p:cSld>
+    <p:spTree>
+      <p:nvGrpSpPr>
+        <p:cNvPr id="1" name=""/>
+        <p:cNvGrpSpPr/>
+        <p:nvPr/>
+      </p:nvGrpSpPr>
+      <p:grpSpPr>
+        <a:xfrm>
+          <a:off x="0" y="0"/>
+          <a:ext cx="0" cy="0"/>
+          <a:chOff x="0" y="0"/>
+          <a:chExt cx="0" cy="0"/>
+        </a:xfrm>
+      </p:grpSpPr>
+      <p:sp>
+        <p:nvSpPr>
           <p:cNvPr id="7" name="Rechteck 6">
             <a:extLst>
               <a:ext uri="{FF2B5EF4-FFF2-40B4-BE49-F238E27FC236}">
